--- a/tutorial1/Tutorial1.pptx
+++ b/tutorial1/Tutorial1.pptx
@@ -9,6 +9,8 @@
     <p:sldId id="257" r:id="rId3"/>
     <p:sldId id="258" r:id="rId4"/>
     <p:sldId id="259" r:id="rId5"/>
+    <p:sldId id="260" r:id="rId6"/>
+    <p:sldId id="261" r:id="rId7"/>
   </p:sldIdLst>
   <p:sldSz cx="12192000" cy="6858000"/>
   <p:notesSz cx="6858000" cy="9144000"/>
@@ -3405,8 +3407,13 @@
           <a:p>
             <a:r>
               <a:rPr lang="en-US" sz="4000" dirty="0"/>
-              <a:t>Introduction</a:t>
-            </a:r>
+              <a:t>Generate Blog Post On Any Topic Using </a:t>
+            </a:r>
+            <a:r>
+              <a:rPr lang="en-US" sz="4000" dirty="0" err="1"/>
+              <a:t>CrewAI</a:t>
+            </a:r>
+            <a:endParaRPr lang="en-US" sz="4000" dirty="0"/>
           </a:p>
           <a:p>
             <a:r>
@@ -3756,6 +3763,202 @@
     <p:extLst>
       <p:ext uri="{BB962C8B-B14F-4D97-AF65-F5344CB8AC3E}">
         <p14:creationId xmlns:p14="http://schemas.microsoft.com/office/powerpoint/2010/main" val="3444413873"/>
+      </p:ext>
+    </p:extLst>
+  </p:cSld>
+  <p:clrMapOvr>
+    <a:masterClrMapping/>
+  </p:clrMapOvr>
+</p:sld>
+</file>
+
+<file path=ppt/slides/slide5.xml><?xml version="1.0" encoding="utf-8"?>
+<p:sld xmlns:a="http://schemas.openxmlformats.org/drawingml/2006/main" xmlns:r="http://schemas.openxmlformats.org/officeDocument/2006/relationships" xmlns:p="http://schemas.openxmlformats.org/presentationml/2006/main">
+  <p:cSld>
+    <p:spTree>
+      <p:nvGrpSpPr>
+        <p:cNvPr id="1" name=""/>
+        <p:cNvGrpSpPr/>
+        <p:nvPr/>
+      </p:nvGrpSpPr>
+      <p:grpSpPr>
+        <a:xfrm>
+          <a:off x="0" y="0"/>
+          <a:ext cx="0" cy="0"/>
+          <a:chOff x="0" y="0"/>
+          <a:chExt cx="0" cy="0"/>
+        </a:xfrm>
+      </p:grpSpPr>
+      <p:sp>
+        <p:nvSpPr>
+          <p:cNvPr id="2" name="Title 1">
+            <a:extLst>
+              <a:ext uri="{FF2B5EF4-FFF2-40B4-BE49-F238E27FC236}">
+                <a16:creationId xmlns:a16="http://schemas.microsoft.com/office/drawing/2014/main" id="{3AD9CD00-D6FB-52F5-CA5C-994A74AD2112}"/>
+              </a:ext>
+            </a:extLst>
+          </p:cNvPr>
+          <p:cNvSpPr>
+            <a:spLocks noGrp="1"/>
+          </p:cNvSpPr>
+          <p:nvPr>
+            <p:ph type="title"/>
+          </p:nvPr>
+        </p:nvSpPr>
+        <p:spPr/>
+        <p:txBody>
+          <a:bodyPr>
+            <a:normAutofit fontScale="90000"/>
+          </a:bodyPr>
+          <a:lstStyle/>
+          <a:p>
+            <a:r>
+              <a:rPr lang="en-IN" b="0" i="0" dirty="0">
+                <a:effectLst/>
+                <a:latin typeface="ui-monospace"/>
+              </a:rPr>
+              <a:t>Forming one crew with enhanced configurations to research and write blog post on any topic</a:t>
+            </a:r>
+            <a:endParaRPr lang="en-US" dirty="0"/>
+          </a:p>
+        </p:txBody>
+      </p:sp>
+      <p:pic>
+        <p:nvPicPr>
+          <p:cNvPr id="5" name="Content Placeholder 4">
+            <a:extLst>
+              <a:ext uri="{FF2B5EF4-FFF2-40B4-BE49-F238E27FC236}">
+                <a16:creationId xmlns:a16="http://schemas.microsoft.com/office/drawing/2014/main" id="{77E07D12-2506-18BA-B8F0-E970AB50EAA8}"/>
+              </a:ext>
+            </a:extLst>
+          </p:cNvPr>
+          <p:cNvPicPr>
+            <a:picLocks noGrp="1" noChangeAspect="1"/>
+          </p:cNvPicPr>
+          <p:nvPr>
+            <p:ph idx="1"/>
+          </p:nvPr>
+        </p:nvPicPr>
+        <p:blipFill>
+          <a:blip r:embed="rId2"/>
+          <a:stretch>
+            <a:fillRect/>
+          </a:stretch>
+        </p:blipFill>
+        <p:spPr>
+          <a:xfrm>
+            <a:off x="4827850" y="1825625"/>
+            <a:ext cx="2536299" cy="4351338"/>
+          </a:xfrm>
+        </p:spPr>
+      </p:pic>
+    </p:spTree>
+    <p:extLst>
+      <p:ext uri="{BB962C8B-B14F-4D97-AF65-F5344CB8AC3E}">
+        <p14:creationId xmlns:p14="http://schemas.microsoft.com/office/powerpoint/2010/main" val="2489236082"/>
+      </p:ext>
+    </p:extLst>
+  </p:cSld>
+  <p:clrMapOvr>
+    <a:masterClrMapping/>
+  </p:clrMapOvr>
+</p:sld>
+</file>
+
+<file path=ppt/slides/slide6.xml><?xml version="1.0" encoding="utf-8"?>
+<p:sld xmlns:a="http://schemas.openxmlformats.org/drawingml/2006/main" xmlns:r="http://schemas.openxmlformats.org/officeDocument/2006/relationships" xmlns:p="http://schemas.openxmlformats.org/presentationml/2006/main">
+  <p:cSld>
+    <p:spTree>
+      <p:nvGrpSpPr>
+        <p:cNvPr id="1" name=""/>
+        <p:cNvGrpSpPr/>
+        <p:nvPr/>
+      </p:nvGrpSpPr>
+      <p:grpSpPr>
+        <a:xfrm>
+          <a:off x="0" y="0"/>
+          <a:ext cx="0" cy="0"/>
+          <a:chOff x="0" y="0"/>
+          <a:chExt cx="0" cy="0"/>
+        </a:xfrm>
+      </p:grpSpPr>
+      <p:sp>
+        <p:nvSpPr>
+          <p:cNvPr id="2" name="Title 1">
+            <a:extLst>
+              <a:ext uri="{FF2B5EF4-FFF2-40B4-BE49-F238E27FC236}">
+                <a16:creationId xmlns:a16="http://schemas.microsoft.com/office/drawing/2014/main" id="{9759D5D9-6860-4673-234C-F949CFB8CD08}"/>
+              </a:ext>
+            </a:extLst>
+          </p:cNvPr>
+          <p:cNvSpPr>
+            <a:spLocks noGrp="1"/>
+          </p:cNvSpPr>
+          <p:nvPr>
+            <p:ph type="title"/>
+          </p:nvPr>
+        </p:nvSpPr>
+        <p:spPr/>
+        <p:txBody>
+          <a:bodyPr/>
+          <a:lstStyle/>
+          <a:p>
+            <a:r>
+              <a:rPr lang="en-US" dirty="0"/>
+              <a:t>Source code</a:t>
+            </a:r>
+          </a:p>
+        </p:txBody>
+      </p:sp>
+      <p:sp>
+        <p:nvSpPr>
+          <p:cNvPr id="3" name="Content Placeholder 2">
+            <a:extLst>
+              <a:ext uri="{FF2B5EF4-FFF2-40B4-BE49-F238E27FC236}">
+                <a16:creationId xmlns:a16="http://schemas.microsoft.com/office/drawing/2014/main" id="{97BBD684-345F-7ABC-84C4-64B53E66C5DA}"/>
+              </a:ext>
+            </a:extLst>
+          </p:cNvPr>
+          <p:cNvSpPr>
+            <a:spLocks noGrp="1"/>
+          </p:cNvSpPr>
+          <p:nvPr>
+            <p:ph idx="1"/>
+          </p:nvPr>
+        </p:nvSpPr>
+        <p:spPr/>
+        <p:txBody>
+          <a:bodyPr/>
+          <a:lstStyle/>
+          <a:p>
+            <a:r>
+              <a:rPr lang="en-US" dirty="0"/>
+              <a:t>https://</a:t>
+            </a:r>
+            <a:r>
+              <a:rPr lang="en-US" dirty="0" err="1"/>
+              <a:t>github.com</a:t>
+            </a:r>
+            <a:r>
+              <a:rPr lang="en-US" dirty="0"/>
+              <a:t>/ronidas39/</a:t>
+            </a:r>
+            <a:r>
+              <a:rPr lang="en-US" dirty="0" err="1"/>
+              <a:t>CrewAITutorial</a:t>
+            </a:r>
+            <a:r>
+              <a:rPr lang="en-US"/>
+              <a:t>/tree/main/tutorial1</a:t>
+            </a:r>
+            <a:endParaRPr lang="en-US" dirty="0"/>
+          </a:p>
+        </p:txBody>
+      </p:sp>
+    </p:spTree>
+    <p:extLst>
+      <p:ext uri="{BB962C8B-B14F-4D97-AF65-F5344CB8AC3E}">
+        <p14:creationId xmlns:p14="http://schemas.microsoft.com/office/powerpoint/2010/main" val="853859733"/>
       </p:ext>
     </p:extLst>
   </p:cSld>

--- a/tutorial1/Tutorial1.pptx
+++ b/tutorial1/Tutorial1.pptx
@@ -2,7 +2,7 @@
 <file path=ppt/presentation.xml><?xml version="1.0" encoding="utf-8"?>
 <p:presentation xmlns:a="http://schemas.openxmlformats.org/drawingml/2006/main" xmlns:r="http://schemas.openxmlformats.org/officeDocument/2006/relationships" xmlns:p="http://schemas.openxmlformats.org/presentationml/2006/main" saveSubsetFonts="1" autoCompressPictures="0">
   <p:sldMasterIdLst>
-    <p:sldMasterId id="2147483648" r:id="rId1"/>
+    <p:sldMasterId id="2147483660" r:id="rId1"/>
   </p:sldMasterIdLst>
   <p:sldIdLst>
     <p:sldId id="256" r:id="rId2"/>
@@ -18,7 +18,7 @@
     <a:defPPr>
       <a:defRPr lang="en-US"/>
     </a:defPPr>
-    <a:lvl1pPr marL="0" algn="l" defTabSz="914400" rtl="0" eaLnBrk="1" latinLnBrk="0" hangingPunct="1">
+    <a:lvl1pPr marL="0" algn="l" defTabSz="457200" rtl="0" eaLnBrk="1" latinLnBrk="0" hangingPunct="1">
       <a:defRPr sz="1800" kern="1200">
         <a:solidFill>
           <a:schemeClr val="tx1"/>
@@ -28,7 +28,7 @@
         <a:cs typeface="+mn-cs"/>
       </a:defRPr>
     </a:lvl1pPr>
-    <a:lvl2pPr marL="457200" algn="l" defTabSz="914400" rtl="0" eaLnBrk="1" latinLnBrk="0" hangingPunct="1">
+    <a:lvl2pPr marL="457200" algn="l" defTabSz="457200" rtl="0" eaLnBrk="1" latinLnBrk="0" hangingPunct="1">
       <a:defRPr sz="1800" kern="1200">
         <a:solidFill>
           <a:schemeClr val="tx1"/>
@@ -38,7 +38,7 @@
         <a:cs typeface="+mn-cs"/>
       </a:defRPr>
     </a:lvl2pPr>
-    <a:lvl3pPr marL="914400" algn="l" defTabSz="914400" rtl="0" eaLnBrk="1" latinLnBrk="0" hangingPunct="1">
+    <a:lvl3pPr marL="914400" algn="l" defTabSz="457200" rtl="0" eaLnBrk="1" latinLnBrk="0" hangingPunct="1">
       <a:defRPr sz="1800" kern="1200">
         <a:solidFill>
           <a:schemeClr val="tx1"/>
@@ -48,7 +48,7 @@
         <a:cs typeface="+mn-cs"/>
       </a:defRPr>
     </a:lvl3pPr>
-    <a:lvl4pPr marL="1371600" algn="l" defTabSz="914400" rtl="0" eaLnBrk="1" latinLnBrk="0" hangingPunct="1">
+    <a:lvl4pPr marL="1371600" algn="l" defTabSz="457200" rtl="0" eaLnBrk="1" latinLnBrk="0" hangingPunct="1">
       <a:defRPr sz="1800" kern="1200">
         <a:solidFill>
           <a:schemeClr val="tx1"/>
@@ -58,7 +58,7 @@
         <a:cs typeface="+mn-cs"/>
       </a:defRPr>
     </a:lvl4pPr>
-    <a:lvl5pPr marL="1828800" algn="l" defTabSz="914400" rtl="0" eaLnBrk="1" latinLnBrk="0" hangingPunct="1">
+    <a:lvl5pPr marL="1828800" algn="l" defTabSz="457200" rtl="0" eaLnBrk="1" latinLnBrk="0" hangingPunct="1">
       <a:defRPr sz="1800" kern="1200">
         <a:solidFill>
           <a:schemeClr val="tx1"/>
@@ -68,7 +68,7 @@
         <a:cs typeface="+mn-cs"/>
       </a:defRPr>
     </a:lvl5pPr>
-    <a:lvl6pPr marL="2286000" algn="l" defTabSz="914400" rtl="0" eaLnBrk="1" latinLnBrk="0" hangingPunct="1">
+    <a:lvl6pPr marL="2286000" algn="l" defTabSz="457200" rtl="0" eaLnBrk="1" latinLnBrk="0" hangingPunct="1">
       <a:defRPr sz="1800" kern="1200">
         <a:solidFill>
           <a:schemeClr val="tx1"/>
@@ -78,7 +78,7 @@
         <a:cs typeface="+mn-cs"/>
       </a:defRPr>
     </a:lvl6pPr>
-    <a:lvl7pPr marL="2743200" algn="l" defTabSz="914400" rtl="0" eaLnBrk="1" latinLnBrk="0" hangingPunct="1">
+    <a:lvl7pPr marL="2743200" algn="l" defTabSz="457200" rtl="0" eaLnBrk="1" latinLnBrk="0" hangingPunct="1">
       <a:defRPr sz="1800" kern="1200">
         <a:solidFill>
           <a:schemeClr val="tx1"/>
@@ -88,7 +88,7 @@
         <a:cs typeface="+mn-cs"/>
       </a:defRPr>
     </a:lvl7pPr>
-    <a:lvl8pPr marL="3200400" algn="l" defTabSz="914400" rtl="0" eaLnBrk="1" latinLnBrk="0" hangingPunct="1">
+    <a:lvl8pPr marL="3200400" algn="l" defTabSz="457200" rtl="0" eaLnBrk="1" latinLnBrk="0" hangingPunct="1">
       <a:defRPr sz="1800" kern="1200">
         <a:solidFill>
           <a:schemeClr val="tx1"/>
@@ -98,7 +98,7 @@
         <a:cs typeface="+mn-cs"/>
       </a:defRPr>
     </a:lvl8pPr>
-    <a:lvl9pPr marL="3657600" algn="l" defTabSz="914400" rtl="0" eaLnBrk="1" latinLnBrk="0" hangingPunct="1">
+    <a:lvl9pPr marL="3657600" algn="l" defTabSz="457200" rtl="0" eaLnBrk="1" latinLnBrk="0" hangingPunct="1">
       <a:defRPr sz="1800" kern="1200">
         <a:solidFill>
           <a:schemeClr val="tx1"/>
@@ -120,6 +120,14 @@
 <file path=ppt/slideLayouts/slideLayout1.xml><?xml version="1.0" encoding="utf-8"?>
 <p:sldLayout xmlns:a="http://schemas.openxmlformats.org/drawingml/2006/main" xmlns:r="http://schemas.openxmlformats.org/officeDocument/2006/relationships" xmlns:p="http://schemas.openxmlformats.org/presentationml/2006/main" type="title" preserve="1">
   <p:cSld name="Title Slide">
+    <p:bg>
+      <p:bgPr>
+        <a:solidFill>
+          <a:schemeClr val="accent2"/>
+        </a:solidFill>
+        <a:effectLst/>
+      </p:bgPr>
+    </p:bg>
     <p:spTree>
       <p:nvGrpSpPr>
         <p:cNvPr id="1" name=""/>
@@ -136,70 +144,82 @@
       </p:grpSpPr>
       <p:sp>
         <p:nvSpPr>
-          <p:cNvPr id="2" name="Title 1">
-            <a:extLst>
-              <a:ext uri="{FF2B5EF4-FFF2-40B4-BE49-F238E27FC236}">
-                <a16:creationId xmlns:a16="http://schemas.microsoft.com/office/drawing/2014/main" id="{601A76C3-7E86-C427-6789-638E0F328FB3}"/>
-              </a:ext>
-            </a:extLst>
-          </p:cNvPr>
+          <p:cNvPr id="2" name="Title 1"/>
           <p:cNvSpPr>
             <a:spLocks noGrp="1"/>
           </p:cNvSpPr>
           <p:nvPr>
             <p:ph type="ctrTitle"/>
+          </p:nvPr>
+        </p:nvSpPr>
+        <p:spPr bwMode="blackWhite">
+          <a:xfrm>
+            <a:off x="1600200" y="2386744"/>
+            <a:ext cx="8991600" cy="1645920"/>
+          </a:xfrm>
+          <a:solidFill>
+            <a:srgbClr val="FFFFFF"/>
+          </a:solidFill>
+          <a:ln w="38100">
+            <a:solidFill>
+              <a:srgbClr val="404040"/>
+            </a:solidFill>
+          </a:ln>
+        </p:spPr>
+        <p:txBody>
+          <a:bodyPr lIns="274320" rIns="274320" anchor="ctr" anchorCtr="1">
+            <a:normAutofit/>
+          </a:bodyPr>
+          <a:lstStyle>
+            <a:lvl1pPr algn="ctr">
+              <a:defRPr sz="3800">
+                <a:solidFill>
+                  <a:srgbClr val="262626"/>
+                </a:solidFill>
+              </a:defRPr>
+            </a:lvl1pPr>
+          </a:lstStyle>
+          <a:p>
+            <a:r>
+              <a:rPr lang="en-GB"/>
+              <a:t>Click to edit Master title style</a:t>
+            </a:r>
+            <a:endParaRPr lang="en-US" dirty="0"/>
+          </a:p>
+        </p:txBody>
+      </p:sp>
+      <p:sp>
+        <p:nvSpPr>
+          <p:cNvPr id="3" name="Subtitle 2"/>
+          <p:cNvSpPr>
+            <a:spLocks noGrp="1"/>
+          </p:cNvSpPr>
+          <p:nvPr>
+            <p:ph type="subTitle" idx="1"/>
           </p:nvPr>
         </p:nvSpPr>
         <p:spPr>
           <a:xfrm>
-            <a:off x="1524000" y="1122363"/>
-            <a:ext cx="9144000" cy="2387600"/>
+            <a:off x="2695194" y="4352544"/>
+            <a:ext cx="6801612" cy="1239894"/>
           </a:xfrm>
+          <a:noFill/>
         </p:spPr>
         <p:txBody>
-          <a:bodyPr anchor="b"/>
-          <a:lstStyle>
-            <a:lvl1pPr algn="ctr">
-              <a:defRPr sz="6000"/>
-            </a:lvl1pPr>
-          </a:lstStyle>
-          <a:p>
-            <a:r>
-              <a:rPr lang="en-GB"/>
-              <a:t>Click to edit Master title style</a:t>
-            </a:r>
-            <a:endParaRPr lang="en-US"/>
-          </a:p>
-        </p:txBody>
-      </p:sp>
-      <p:sp>
-        <p:nvSpPr>
-          <p:cNvPr id="3" name="Subtitle 2">
-            <a:extLst>
-              <a:ext uri="{FF2B5EF4-FFF2-40B4-BE49-F238E27FC236}">
-                <a16:creationId xmlns:a16="http://schemas.microsoft.com/office/drawing/2014/main" id="{EE4B9D7E-DA5D-C28A-5419-68061428D80B}"/>
-              </a:ext>
-            </a:extLst>
-          </p:cNvPr>
-          <p:cNvSpPr>
-            <a:spLocks noGrp="1"/>
-          </p:cNvSpPr>
-          <p:nvPr>
-            <p:ph type="subTitle" idx="1"/>
-          </p:nvPr>
-        </p:nvSpPr>
-        <p:spPr>
-          <a:xfrm>
-            <a:off x="1524000" y="3602038"/>
-            <a:ext cx="9144000" cy="1655762"/>
-          </a:xfrm>
-        </p:spPr>
-        <p:txBody>
-          <a:bodyPr/>
+          <a:bodyPr>
+            <a:normAutofit/>
+          </a:bodyPr>
           <a:lstStyle>
             <a:lvl1pPr marL="0" indent="0" algn="ctr">
               <a:buNone/>
-              <a:defRPr sz="2400"/>
+              <a:defRPr sz="2000">
+                <a:solidFill>
+                  <a:schemeClr val="tx1">
+                    <a:lumMod val="75000"/>
+                    <a:lumOff val="25000"/>
+                  </a:schemeClr>
+                </a:solidFill>
+              </a:defRPr>
             </a:lvl1pPr>
             <a:lvl2pPr marL="457200" indent="0" algn="ctr">
               <a:buNone/>
@@ -239,19 +259,13 @@
               <a:rPr lang="en-GB"/>
               <a:t>Click to edit Master subtitle style</a:t>
             </a:r>
-            <a:endParaRPr lang="en-US"/>
-          </a:p>
-        </p:txBody>
-      </p:sp>
-      <p:sp>
-        <p:nvSpPr>
-          <p:cNvPr id="4" name="Date Placeholder 3">
-            <a:extLst>
-              <a:ext uri="{FF2B5EF4-FFF2-40B4-BE49-F238E27FC236}">
-                <a16:creationId xmlns:a16="http://schemas.microsoft.com/office/drawing/2014/main" id="{2F5B684E-1885-EB7A-10D2-BA2C9E9BDCB8}"/>
-              </a:ext>
-            </a:extLst>
-          </p:cNvPr>
+            <a:endParaRPr lang="en-US" dirty="0"/>
+          </a:p>
+        </p:txBody>
+      </p:sp>
+      <p:sp>
+        <p:nvSpPr>
+          <p:cNvPr id="7" name="Date Placeholder 6"/>
           <p:cNvSpPr>
             <a:spLocks noGrp="1"/>
           </p:cNvSpPr>
@@ -274,13 +288,7 @@
       </p:sp>
       <p:sp>
         <p:nvSpPr>
-          <p:cNvPr id="5" name="Footer Placeholder 4">
-            <a:extLst>
-              <a:ext uri="{FF2B5EF4-FFF2-40B4-BE49-F238E27FC236}">
-                <a16:creationId xmlns:a16="http://schemas.microsoft.com/office/drawing/2014/main" id="{4426BEEC-52C2-B551-DDDD-84FBC198610C}"/>
-              </a:ext>
-            </a:extLst>
-          </p:cNvPr>
+          <p:cNvPr id="8" name="Footer Placeholder 7"/>
           <p:cNvSpPr>
             <a:spLocks noGrp="1"/>
           </p:cNvSpPr>
@@ -299,13 +307,7 @@
       </p:sp>
       <p:sp>
         <p:nvSpPr>
-          <p:cNvPr id="6" name="Slide Number Placeholder 5">
-            <a:extLst>
-              <a:ext uri="{FF2B5EF4-FFF2-40B4-BE49-F238E27FC236}">
-                <a16:creationId xmlns:a16="http://schemas.microsoft.com/office/drawing/2014/main" id="{2020864A-9055-01C4-2B92-15772BA652D0}"/>
-              </a:ext>
-            </a:extLst>
-          </p:cNvPr>
+          <p:cNvPr id="9" name="Slide Number Placeholder 8"/>
           <p:cNvSpPr>
             <a:spLocks noGrp="1"/>
           </p:cNvSpPr>
@@ -329,12 +331,12 @@
     </p:spTree>
     <p:extLst>
       <p:ext uri="{BB962C8B-B14F-4D97-AF65-F5344CB8AC3E}">
-        <p14:creationId xmlns:p14="http://schemas.microsoft.com/office/powerpoint/2010/main" val="770257382"/>
+        <p14:creationId xmlns:p14="http://schemas.microsoft.com/office/powerpoint/2010/main" val="526753686"/>
       </p:ext>
     </p:extLst>
   </p:cSld>
   <p:clrMapOvr>
-    <a:masterClrMapping/>
+    <a:overrideClrMapping bg1="dk1" tx1="lt1" bg2="dk2" tx2="lt2" accent1="accent1" accent2="accent2" accent3="accent3" accent4="accent4" accent5="accent5" accent6="accent6" hlink="hlink" folHlink="folHlink"/>
   </p:clrMapOvr>
 </p:sldLayout>
 </file>
@@ -358,13 +360,7 @@
       </p:grpSpPr>
       <p:sp>
         <p:nvSpPr>
-          <p:cNvPr id="2" name="Title 1">
-            <a:extLst>
-              <a:ext uri="{FF2B5EF4-FFF2-40B4-BE49-F238E27FC236}">
-                <a16:creationId xmlns:a16="http://schemas.microsoft.com/office/drawing/2014/main" id="{A3E12C1A-47C4-7F84-22B1-D8376F41F5F1}"/>
-              </a:ext>
-            </a:extLst>
-          </p:cNvPr>
+          <p:cNvPr id="2" name="Title 1"/>
           <p:cNvSpPr>
             <a:spLocks noGrp="1"/>
           </p:cNvSpPr>
@@ -381,19 +377,13 @@
               <a:rPr lang="en-GB"/>
               <a:t>Click to edit Master title style</a:t>
             </a:r>
-            <a:endParaRPr lang="en-US"/>
-          </a:p>
-        </p:txBody>
-      </p:sp>
-      <p:sp>
-        <p:nvSpPr>
-          <p:cNvPr id="3" name="Vertical Text Placeholder 2">
-            <a:extLst>
-              <a:ext uri="{FF2B5EF4-FFF2-40B4-BE49-F238E27FC236}">
-                <a16:creationId xmlns:a16="http://schemas.microsoft.com/office/drawing/2014/main" id="{E2AF1FE6-4E5F-DE5C-DAC8-F7E9019CDEB7}"/>
-              </a:ext>
-            </a:extLst>
-          </p:cNvPr>
+            <a:endParaRPr lang="en-US" dirty="0"/>
+          </a:p>
+        </p:txBody>
+      </p:sp>
+      <p:sp>
+        <p:nvSpPr>
+          <p:cNvPr id="3" name="Vertical Text Placeholder 2"/>
           <p:cNvSpPr>
             <a:spLocks noGrp="1"/>
           </p:cNvSpPr>
@@ -439,19 +429,13 @@
               <a:rPr lang="en-GB"/>
               <a:t>Fifth level</a:t>
             </a:r>
-            <a:endParaRPr lang="en-US"/>
-          </a:p>
-        </p:txBody>
-      </p:sp>
-      <p:sp>
-        <p:nvSpPr>
-          <p:cNvPr id="4" name="Date Placeholder 3">
-            <a:extLst>
-              <a:ext uri="{FF2B5EF4-FFF2-40B4-BE49-F238E27FC236}">
-                <a16:creationId xmlns:a16="http://schemas.microsoft.com/office/drawing/2014/main" id="{0BEA29BF-F6FB-F969-0E17-A1D765901D58}"/>
-              </a:ext>
-            </a:extLst>
-          </p:cNvPr>
+            <a:endParaRPr lang="en-US" dirty="0"/>
+          </a:p>
+        </p:txBody>
+      </p:sp>
+      <p:sp>
+        <p:nvSpPr>
+          <p:cNvPr id="4" name="Date Placeholder 3"/>
           <p:cNvSpPr>
             <a:spLocks noGrp="1"/>
           </p:cNvSpPr>
@@ -474,13 +458,7 @@
       </p:sp>
       <p:sp>
         <p:nvSpPr>
-          <p:cNvPr id="5" name="Footer Placeholder 4">
-            <a:extLst>
-              <a:ext uri="{FF2B5EF4-FFF2-40B4-BE49-F238E27FC236}">
-                <a16:creationId xmlns:a16="http://schemas.microsoft.com/office/drawing/2014/main" id="{6BCFA77C-F1DB-E225-E307-80F2A4EFE605}"/>
-              </a:ext>
-            </a:extLst>
-          </p:cNvPr>
+          <p:cNvPr id="5" name="Footer Placeholder 4"/>
           <p:cNvSpPr>
             <a:spLocks noGrp="1"/>
           </p:cNvSpPr>
@@ -499,13 +477,7 @@
       </p:sp>
       <p:sp>
         <p:nvSpPr>
-          <p:cNvPr id="6" name="Slide Number Placeholder 5">
-            <a:extLst>
-              <a:ext uri="{FF2B5EF4-FFF2-40B4-BE49-F238E27FC236}">
-                <a16:creationId xmlns:a16="http://schemas.microsoft.com/office/drawing/2014/main" id="{D2D243AC-8E6B-ACE6-303E-563E311421BB}"/>
-              </a:ext>
-            </a:extLst>
-          </p:cNvPr>
+          <p:cNvPr id="6" name="Slide Number Placeholder 5"/>
           <p:cNvSpPr>
             <a:spLocks noGrp="1"/>
           </p:cNvSpPr>
@@ -529,7 +501,7 @@
     </p:spTree>
     <p:extLst>
       <p:ext uri="{BB962C8B-B14F-4D97-AF65-F5344CB8AC3E}">
-        <p14:creationId xmlns:p14="http://schemas.microsoft.com/office/powerpoint/2010/main" val="2233079639"/>
+        <p14:creationId xmlns:p14="http://schemas.microsoft.com/office/powerpoint/2010/main" val="2720322713"/>
       </p:ext>
     </p:extLst>
   </p:cSld>
@@ -558,13 +530,7 @@
       </p:grpSpPr>
       <p:sp>
         <p:nvSpPr>
-          <p:cNvPr id="2" name="Vertical Title 1">
-            <a:extLst>
-              <a:ext uri="{FF2B5EF4-FFF2-40B4-BE49-F238E27FC236}">
-                <a16:creationId xmlns:a16="http://schemas.microsoft.com/office/drawing/2014/main" id="{A04180A0-F6AF-4C0B-987E-F20059D8D1FD}"/>
-              </a:ext>
-            </a:extLst>
-          </p:cNvPr>
+          <p:cNvPr id="2" name="Vertical Title 1"/>
           <p:cNvSpPr>
             <a:spLocks noGrp="1"/>
           </p:cNvSpPr>
@@ -574,8 +540,8 @@
         </p:nvSpPr>
         <p:spPr>
           <a:xfrm>
-            <a:off x="8724900" y="365125"/>
-            <a:ext cx="2628900" cy="5811838"/>
+            <a:off x="8653112" y="937260"/>
+            <a:ext cx="1298608" cy="4983480"/>
           </a:xfrm>
         </p:spPr>
         <p:txBody>
@@ -586,19 +552,13 @@
               <a:rPr lang="en-GB"/>
               <a:t>Click to edit Master title style</a:t>
             </a:r>
-            <a:endParaRPr lang="en-US"/>
-          </a:p>
-        </p:txBody>
-      </p:sp>
-      <p:sp>
-        <p:nvSpPr>
-          <p:cNvPr id="3" name="Vertical Text Placeholder 2">
-            <a:extLst>
-              <a:ext uri="{FF2B5EF4-FFF2-40B4-BE49-F238E27FC236}">
-                <a16:creationId xmlns:a16="http://schemas.microsoft.com/office/drawing/2014/main" id="{AEE6C391-4972-A246-EAEC-2E11F67D87FD}"/>
-              </a:ext>
-            </a:extLst>
-          </p:cNvPr>
+            <a:endParaRPr lang="en-US" dirty="0"/>
+          </a:p>
+        </p:txBody>
+      </p:sp>
+      <p:sp>
+        <p:nvSpPr>
+          <p:cNvPr id="3" name="Vertical Text Placeholder 2"/>
           <p:cNvSpPr>
             <a:spLocks noGrp="1"/>
           </p:cNvSpPr>
@@ -608,8 +568,8 @@
         </p:nvSpPr>
         <p:spPr>
           <a:xfrm>
-            <a:off x="838200" y="365125"/>
-            <a:ext cx="7734300" cy="5811838"/>
+            <a:off x="2231136" y="937260"/>
+            <a:ext cx="6198489" cy="4983480"/>
           </a:xfrm>
         </p:spPr>
         <p:txBody>
@@ -649,19 +609,13 @@
               <a:rPr lang="en-GB"/>
               <a:t>Fifth level</a:t>
             </a:r>
-            <a:endParaRPr lang="en-US"/>
-          </a:p>
-        </p:txBody>
-      </p:sp>
-      <p:sp>
-        <p:nvSpPr>
-          <p:cNvPr id="4" name="Date Placeholder 3">
-            <a:extLst>
-              <a:ext uri="{FF2B5EF4-FFF2-40B4-BE49-F238E27FC236}">
-                <a16:creationId xmlns:a16="http://schemas.microsoft.com/office/drawing/2014/main" id="{731BE339-DB3C-305F-5707-6D42AC2C5ACA}"/>
-              </a:ext>
-            </a:extLst>
-          </p:cNvPr>
+            <a:endParaRPr lang="en-US" dirty="0"/>
+          </a:p>
+        </p:txBody>
+      </p:sp>
+      <p:sp>
+        <p:nvSpPr>
+          <p:cNvPr id="4" name="Date Placeholder 3"/>
           <p:cNvSpPr>
             <a:spLocks noGrp="1"/>
           </p:cNvSpPr>
@@ -684,13 +638,7 @@
       </p:sp>
       <p:sp>
         <p:nvSpPr>
-          <p:cNvPr id="5" name="Footer Placeholder 4">
-            <a:extLst>
-              <a:ext uri="{FF2B5EF4-FFF2-40B4-BE49-F238E27FC236}">
-                <a16:creationId xmlns:a16="http://schemas.microsoft.com/office/drawing/2014/main" id="{3B9EAF40-418E-4728-1240-353F7705B39E}"/>
-              </a:ext>
-            </a:extLst>
-          </p:cNvPr>
+          <p:cNvPr id="5" name="Footer Placeholder 4"/>
           <p:cNvSpPr>
             <a:spLocks noGrp="1"/>
           </p:cNvSpPr>
@@ -709,13 +657,7 @@
       </p:sp>
       <p:sp>
         <p:nvSpPr>
-          <p:cNvPr id="6" name="Slide Number Placeholder 5">
-            <a:extLst>
-              <a:ext uri="{FF2B5EF4-FFF2-40B4-BE49-F238E27FC236}">
-                <a16:creationId xmlns:a16="http://schemas.microsoft.com/office/drawing/2014/main" id="{6388CC6F-314B-484D-2693-48FCCC2A2BA0}"/>
-              </a:ext>
-            </a:extLst>
-          </p:cNvPr>
+          <p:cNvPr id="6" name="Slide Number Placeholder 5"/>
           <p:cNvSpPr>
             <a:spLocks noGrp="1"/>
           </p:cNvSpPr>
@@ -739,7 +681,7 @@
     </p:spTree>
     <p:extLst>
       <p:ext uri="{BB962C8B-B14F-4D97-AF65-F5344CB8AC3E}">
-        <p14:creationId xmlns:p14="http://schemas.microsoft.com/office/powerpoint/2010/main" val="571809682"/>
+        <p14:creationId xmlns:p14="http://schemas.microsoft.com/office/powerpoint/2010/main" val="1588078363"/>
       </p:ext>
     </p:extLst>
   </p:cSld>
@@ -768,13 +710,7 @@
       </p:grpSpPr>
       <p:sp>
         <p:nvSpPr>
-          <p:cNvPr id="2" name="Title 1">
-            <a:extLst>
-              <a:ext uri="{FF2B5EF4-FFF2-40B4-BE49-F238E27FC236}">
-                <a16:creationId xmlns:a16="http://schemas.microsoft.com/office/drawing/2014/main" id="{8624CD87-4A47-70F5-AF93-4860AE1C4DEE}"/>
-              </a:ext>
-            </a:extLst>
-          </p:cNvPr>
+          <p:cNvPr id="2" name="Title 1"/>
           <p:cNvSpPr>
             <a:spLocks noGrp="1"/>
           </p:cNvSpPr>
@@ -791,19 +727,13 @@
               <a:rPr lang="en-GB"/>
               <a:t>Click to edit Master title style</a:t>
             </a:r>
-            <a:endParaRPr lang="en-US"/>
-          </a:p>
-        </p:txBody>
-      </p:sp>
-      <p:sp>
-        <p:nvSpPr>
-          <p:cNvPr id="3" name="Content Placeholder 2">
-            <a:extLst>
-              <a:ext uri="{FF2B5EF4-FFF2-40B4-BE49-F238E27FC236}">
-                <a16:creationId xmlns:a16="http://schemas.microsoft.com/office/drawing/2014/main" id="{C5AD163E-6CB9-DADC-1A4D-A09431C2A79F}"/>
-              </a:ext>
-            </a:extLst>
-          </p:cNvPr>
+            <a:endParaRPr lang="en-US" dirty="0"/>
+          </a:p>
+        </p:txBody>
+      </p:sp>
+      <p:sp>
+        <p:nvSpPr>
+          <p:cNvPr id="3" name="Content Placeholder 2"/>
           <p:cNvSpPr>
             <a:spLocks noGrp="1"/>
           </p:cNvSpPr>
@@ -849,19 +779,13 @@
               <a:rPr lang="en-GB"/>
               <a:t>Fifth level</a:t>
             </a:r>
-            <a:endParaRPr lang="en-US"/>
-          </a:p>
-        </p:txBody>
-      </p:sp>
-      <p:sp>
-        <p:nvSpPr>
-          <p:cNvPr id="4" name="Date Placeholder 3">
-            <a:extLst>
-              <a:ext uri="{FF2B5EF4-FFF2-40B4-BE49-F238E27FC236}">
-                <a16:creationId xmlns:a16="http://schemas.microsoft.com/office/drawing/2014/main" id="{D9A93A91-6C31-C2D9-28B6-C98D69B3B133}"/>
-              </a:ext>
-            </a:extLst>
-          </p:cNvPr>
+            <a:endParaRPr lang="en-US" dirty="0"/>
+          </a:p>
+        </p:txBody>
+      </p:sp>
+      <p:sp>
+        <p:nvSpPr>
+          <p:cNvPr id="7" name="Date Placeholder 6"/>
           <p:cNvSpPr>
             <a:spLocks noGrp="1"/>
           </p:cNvSpPr>
@@ -884,13 +808,7 @@
       </p:sp>
       <p:sp>
         <p:nvSpPr>
-          <p:cNvPr id="5" name="Footer Placeholder 4">
-            <a:extLst>
-              <a:ext uri="{FF2B5EF4-FFF2-40B4-BE49-F238E27FC236}">
-                <a16:creationId xmlns:a16="http://schemas.microsoft.com/office/drawing/2014/main" id="{9CDF71FD-3741-9469-C073-895F53300414}"/>
-              </a:ext>
-            </a:extLst>
-          </p:cNvPr>
+          <p:cNvPr id="8" name="Footer Placeholder 7"/>
           <p:cNvSpPr>
             <a:spLocks noGrp="1"/>
           </p:cNvSpPr>
@@ -909,13 +827,7 @@
       </p:sp>
       <p:sp>
         <p:nvSpPr>
-          <p:cNvPr id="6" name="Slide Number Placeholder 5">
-            <a:extLst>
-              <a:ext uri="{FF2B5EF4-FFF2-40B4-BE49-F238E27FC236}">
-                <a16:creationId xmlns:a16="http://schemas.microsoft.com/office/drawing/2014/main" id="{A1EF8F97-B57C-649B-B744-4F373A0DA49E}"/>
-              </a:ext>
-            </a:extLst>
-          </p:cNvPr>
+          <p:cNvPr id="9" name="Slide Number Placeholder 8"/>
           <p:cNvSpPr>
             <a:spLocks noGrp="1"/>
           </p:cNvSpPr>
@@ -939,7 +851,7 @@
     </p:spTree>
     <p:extLst>
       <p:ext uri="{BB962C8B-B14F-4D97-AF65-F5344CB8AC3E}">
-        <p14:creationId xmlns:p14="http://schemas.microsoft.com/office/powerpoint/2010/main" val="3396267990"/>
+        <p14:creationId xmlns:p14="http://schemas.microsoft.com/office/powerpoint/2010/main" val="522606972"/>
       </p:ext>
     </p:extLst>
   </p:cSld>
@@ -952,6 +864,14 @@
 <file path=ppt/slideLayouts/slideLayout3.xml><?xml version="1.0" encoding="utf-8"?>
 <p:sldLayout xmlns:a="http://schemas.openxmlformats.org/drawingml/2006/main" xmlns:r="http://schemas.openxmlformats.org/officeDocument/2006/relationships" xmlns:p="http://schemas.openxmlformats.org/presentationml/2006/main" type="secHead" preserve="1">
   <p:cSld name="Section Header">
+    <p:bg>
+      <p:bgPr>
+        <a:solidFill>
+          <a:schemeClr val="accent1"/>
+        </a:solidFill>
+        <a:effectLst/>
+      </p:bgPr>
+    </p:bg>
     <p:spTree>
       <p:nvGrpSpPr>
         <p:cNvPr id="1" name=""/>
@@ -968,74 +888,76 @@
       </p:grpSpPr>
       <p:sp>
         <p:nvSpPr>
-          <p:cNvPr id="2" name="Title 1">
-            <a:extLst>
-              <a:ext uri="{FF2B5EF4-FFF2-40B4-BE49-F238E27FC236}">
-                <a16:creationId xmlns:a16="http://schemas.microsoft.com/office/drawing/2014/main" id="{AF4ECCBE-94D1-97E8-35F4-00ECD75EE91A}"/>
-              </a:ext>
-            </a:extLst>
-          </p:cNvPr>
+          <p:cNvPr id="2" name="Title 1"/>
           <p:cNvSpPr>
             <a:spLocks noGrp="1"/>
           </p:cNvSpPr>
           <p:nvPr>
             <p:ph type="title"/>
+          </p:nvPr>
+        </p:nvSpPr>
+        <p:spPr bwMode="blackWhite">
+          <a:xfrm>
+            <a:off x="1600200" y="2386744"/>
+            <a:ext cx="8991600" cy="1645920"/>
+          </a:xfrm>
+          <a:solidFill>
+            <a:srgbClr val="FFFFFF"/>
+          </a:solidFill>
+          <a:ln w="38100">
+            <a:solidFill>
+              <a:srgbClr val="404040"/>
+            </a:solidFill>
+          </a:ln>
+        </p:spPr>
+        <p:txBody>
+          <a:bodyPr lIns="274320" rIns="274320" anchor="ctr" anchorCtr="1">
+            <a:normAutofit/>
+          </a:bodyPr>
+          <a:lstStyle>
+            <a:lvl1pPr>
+              <a:defRPr sz="3800">
+                <a:solidFill>
+                  <a:srgbClr val="262626"/>
+                </a:solidFill>
+              </a:defRPr>
+            </a:lvl1pPr>
+          </a:lstStyle>
+          <a:p>
+            <a:r>
+              <a:rPr lang="en-GB"/>
+              <a:t>Click to edit Master title style</a:t>
+            </a:r>
+            <a:endParaRPr lang="en-US" dirty="0"/>
+          </a:p>
+        </p:txBody>
+      </p:sp>
+      <p:sp>
+        <p:nvSpPr>
+          <p:cNvPr id="3" name="Text Placeholder 2"/>
+          <p:cNvSpPr>
+            <a:spLocks noGrp="1"/>
+          </p:cNvSpPr>
+          <p:nvPr>
+            <p:ph type="body" idx="1"/>
           </p:nvPr>
         </p:nvSpPr>
         <p:spPr>
           <a:xfrm>
-            <a:off x="831850" y="1709738"/>
-            <a:ext cx="10515600" cy="2852737"/>
+            <a:off x="2695194" y="4352465"/>
+            <a:ext cx="6801612" cy="1265082"/>
           </a:xfrm>
         </p:spPr>
         <p:txBody>
-          <a:bodyPr anchor="b"/>
-          <a:lstStyle>
-            <a:lvl1pPr>
-              <a:defRPr sz="6000"/>
-            </a:lvl1pPr>
-          </a:lstStyle>
-          <a:p>
-            <a:r>
-              <a:rPr lang="en-GB"/>
-              <a:t>Click to edit Master title style</a:t>
-            </a:r>
-            <a:endParaRPr lang="en-US"/>
-          </a:p>
-        </p:txBody>
-      </p:sp>
-      <p:sp>
-        <p:nvSpPr>
-          <p:cNvPr id="3" name="Text Placeholder 2">
-            <a:extLst>
-              <a:ext uri="{FF2B5EF4-FFF2-40B4-BE49-F238E27FC236}">
-                <a16:creationId xmlns:a16="http://schemas.microsoft.com/office/drawing/2014/main" id="{CC3D26F3-6143-9344-780C-ACE4B3C470FB}"/>
-              </a:ext>
-            </a:extLst>
-          </p:cNvPr>
-          <p:cNvSpPr>
-            <a:spLocks noGrp="1"/>
-          </p:cNvSpPr>
-          <p:nvPr>
-            <p:ph type="body" idx="1"/>
-          </p:nvPr>
-        </p:nvSpPr>
-        <p:spPr>
-          <a:xfrm>
-            <a:off x="831850" y="4589463"/>
-            <a:ext cx="10515600" cy="1500187"/>
-          </a:xfrm>
-        </p:spPr>
-        <p:txBody>
-          <a:bodyPr/>
+          <a:bodyPr anchor="t" anchorCtr="1">
+            <a:normAutofit/>
+          </a:bodyPr>
           <a:lstStyle>
             <a:lvl1pPr marL="0" indent="0">
               <a:buNone/>
-              <a:defRPr sz="2400">
+              <a:defRPr sz="2000">
                 <a:solidFill>
-                  <a:schemeClr val="tx1">
-                    <a:tint val="75000"/>
-                  </a:schemeClr>
+                  <a:schemeClr val="tx1"/>
                 </a:solidFill>
               </a:defRPr>
             </a:lvl1pPr>
@@ -1131,13 +1053,7 @@
       </p:sp>
       <p:sp>
         <p:nvSpPr>
-          <p:cNvPr id="4" name="Date Placeholder 3">
-            <a:extLst>
-              <a:ext uri="{FF2B5EF4-FFF2-40B4-BE49-F238E27FC236}">
-                <a16:creationId xmlns:a16="http://schemas.microsoft.com/office/drawing/2014/main" id="{EDB0C91C-5FB3-5381-31EB-27E6C31CB151}"/>
-              </a:ext>
-            </a:extLst>
-          </p:cNvPr>
+          <p:cNvPr id="7" name="Date Placeholder 6"/>
           <p:cNvSpPr>
             <a:spLocks noGrp="1"/>
           </p:cNvSpPr>
@@ -1160,13 +1076,7 @@
       </p:sp>
       <p:sp>
         <p:nvSpPr>
-          <p:cNvPr id="5" name="Footer Placeholder 4">
-            <a:extLst>
-              <a:ext uri="{FF2B5EF4-FFF2-40B4-BE49-F238E27FC236}">
-                <a16:creationId xmlns:a16="http://schemas.microsoft.com/office/drawing/2014/main" id="{C5BD0A80-6BD5-3579-7763-D5251B65920E}"/>
-              </a:ext>
-            </a:extLst>
-          </p:cNvPr>
+          <p:cNvPr id="8" name="Footer Placeholder 7"/>
           <p:cNvSpPr>
             <a:spLocks noGrp="1"/>
           </p:cNvSpPr>
@@ -1185,13 +1095,7 @@
       </p:sp>
       <p:sp>
         <p:nvSpPr>
-          <p:cNvPr id="6" name="Slide Number Placeholder 5">
-            <a:extLst>
-              <a:ext uri="{FF2B5EF4-FFF2-40B4-BE49-F238E27FC236}">
-                <a16:creationId xmlns:a16="http://schemas.microsoft.com/office/drawing/2014/main" id="{9F0443B8-6CA4-A293-99DF-A7DBE012BFDF}"/>
-              </a:ext>
-            </a:extLst>
-          </p:cNvPr>
+          <p:cNvPr id="9" name="Slide Number Placeholder 8"/>
           <p:cNvSpPr>
             <a:spLocks noGrp="1"/>
           </p:cNvSpPr>
@@ -1215,12 +1119,12 @@
     </p:spTree>
     <p:extLst>
       <p:ext uri="{BB962C8B-B14F-4D97-AF65-F5344CB8AC3E}">
-        <p14:creationId xmlns:p14="http://schemas.microsoft.com/office/powerpoint/2010/main" val="2079819546"/>
+        <p14:creationId xmlns:p14="http://schemas.microsoft.com/office/powerpoint/2010/main" val="3867674743"/>
       </p:ext>
     </p:extLst>
   </p:cSld>
   <p:clrMapOvr>
-    <a:masterClrMapping/>
+    <a:overrideClrMapping bg1="dk1" tx1="lt1" bg2="dk2" tx2="lt2" accent1="accent1" accent2="accent2" accent3="accent3" accent4="accent4" accent5="accent5" accent6="accent6" hlink="hlink" folHlink="folHlink"/>
   </p:clrMapOvr>
 </p:sldLayout>
 </file>
@@ -1244,13 +1148,7 @@
       </p:grpSpPr>
       <p:sp>
         <p:nvSpPr>
-          <p:cNvPr id="2" name="Title 1">
-            <a:extLst>
-              <a:ext uri="{FF2B5EF4-FFF2-40B4-BE49-F238E27FC236}">
-                <a16:creationId xmlns:a16="http://schemas.microsoft.com/office/drawing/2014/main" id="{1D728D70-D512-983F-5583-3B0FE7C3729E}"/>
-              </a:ext>
-            </a:extLst>
-          </p:cNvPr>
+          <p:cNvPr id="2" name="Title 1"/>
           <p:cNvSpPr>
             <a:spLocks noGrp="1"/>
           </p:cNvSpPr>
@@ -1267,19 +1165,13 @@
               <a:rPr lang="en-GB"/>
               <a:t>Click to edit Master title style</a:t>
             </a:r>
-            <a:endParaRPr lang="en-US"/>
-          </a:p>
-        </p:txBody>
-      </p:sp>
-      <p:sp>
-        <p:nvSpPr>
-          <p:cNvPr id="3" name="Content Placeholder 2">
-            <a:extLst>
-              <a:ext uri="{FF2B5EF4-FFF2-40B4-BE49-F238E27FC236}">
-                <a16:creationId xmlns:a16="http://schemas.microsoft.com/office/drawing/2014/main" id="{F4FFA146-41EB-FAC0-0C3E-A73A9C197332}"/>
-              </a:ext>
-            </a:extLst>
-          </p:cNvPr>
+            <a:endParaRPr lang="en-US" dirty="0"/>
+          </a:p>
+        </p:txBody>
+      </p:sp>
+      <p:sp>
+        <p:nvSpPr>
+          <p:cNvPr id="3" name="Content Placeholder 2"/>
           <p:cNvSpPr>
             <a:spLocks noGrp="1"/>
           </p:cNvSpPr>
@@ -1289,8 +1181,8 @@
         </p:nvSpPr>
         <p:spPr>
           <a:xfrm>
-            <a:off x="838200" y="1825625"/>
-            <a:ext cx="5181600" cy="4351338"/>
+            <a:off x="1581912" y="2638044"/>
+            <a:ext cx="4271771" cy="3101982"/>
           </a:xfrm>
         </p:spPr>
         <p:txBody>
@@ -1330,19 +1222,13 @@
               <a:rPr lang="en-GB"/>
               <a:t>Fifth level</a:t>
             </a:r>
-            <a:endParaRPr lang="en-US"/>
-          </a:p>
-        </p:txBody>
-      </p:sp>
-      <p:sp>
-        <p:nvSpPr>
-          <p:cNvPr id="4" name="Content Placeholder 3">
-            <a:extLst>
-              <a:ext uri="{FF2B5EF4-FFF2-40B4-BE49-F238E27FC236}">
-                <a16:creationId xmlns:a16="http://schemas.microsoft.com/office/drawing/2014/main" id="{3FA3482D-8B14-0233-FE1F-92BC9A724C5A}"/>
-              </a:ext>
-            </a:extLst>
-          </p:cNvPr>
+            <a:endParaRPr lang="en-US" dirty="0"/>
+          </a:p>
+        </p:txBody>
+      </p:sp>
+      <p:sp>
+        <p:nvSpPr>
+          <p:cNvPr id="4" name="Content Placeholder 3"/>
           <p:cNvSpPr>
             <a:spLocks noGrp="1"/>
           </p:cNvSpPr>
@@ -1352,8 +1238,8 @@
         </p:nvSpPr>
         <p:spPr>
           <a:xfrm>
-            <a:off x="6172200" y="1825625"/>
-            <a:ext cx="5181600" cy="4351338"/>
+            <a:off x="6338315" y="2638044"/>
+            <a:ext cx="4270247" cy="3101982"/>
           </a:xfrm>
         </p:spPr>
         <p:txBody>
@@ -1393,19 +1279,13 @@
               <a:rPr lang="en-GB"/>
               <a:t>Fifth level</a:t>
             </a:r>
-            <a:endParaRPr lang="en-US"/>
-          </a:p>
-        </p:txBody>
-      </p:sp>
-      <p:sp>
-        <p:nvSpPr>
-          <p:cNvPr id="5" name="Date Placeholder 4">
-            <a:extLst>
-              <a:ext uri="{FF2B5EF4-FFF2-40B4-BE49-F238E27FC236}">
-                <a16:creationId xmlns:a16="http://schemas.microsoft.com/office/drawing/2014/main" id="{E9F56CFD-B2E3-31FC-1C22-3627B25869F4}"/>
-              </a:ext>
-            </a:extLst>
-          </p:cNvPr>
+            <a:endParaRPr lang="en-US" dirty="0"/>
+          </a:p>
+        </p:txBody>
+      </p:sp>
+      <p:sp>
+        <p:nvSpPr>
+          <p:cNvPr id="8" name="Date Placeholder 7"/>
           <p:cNvSpPr>
             <a:spLocks noGrp="1"/>
           </p:cNvSpPr>
@@ -1428,13 +1308,7 @@
       </p:sp>
       <p:sp>
         <p:nvSpPr>
-          <p:cNvPr id="6" name="Footer Placeholder 5">
-            <a:extLst>
-              <a:ext uri="{FF2B5EF4-FFF2-40B4-BE49-F238E27FC236}">
-                <a16:creationId xmlns:a16="http://schemas.microsoft.com/office/drawing/2014/main" id="{893AF74F-E303-9B7A-A059-C39A83161D87}"/>
-              </a:ext>
-            </a:extLst>
-          </p:cNvPr>
+          <p:cNvPr id="9" name="Footer Placeholder 8"/>
           <p:cNvSpPr>
             <a:spLocks noGrp="1"/>
           </p:cNvSpPr>
@@ -1453,13 +1327,7 @@
       </p:sp>
       <p:sp>
         <p:nvSpPr>
-          <p:cNvPr id="7" name="Slide Number Placeholder 6">
-            <a:extLst>
-              <a:ext uri="{FF2B5EF4-FFF2-40B4-BE49-F238E27FC236}">
-                <a16:creationId xmlns:a16="http://schemas.microsoft.com/office/drawing/2014/main" id="{B087130A-9405-D15A-7AE8-8160DA29A8FE}"/>
-              </a:ext>
-            </a:extLst>
-          </p:cNvPr>
+          <p:cNvPr id="10" name="Slide Number Placeholder 9"/>
           <p:cNvSpPr>
             <a:spLocks noGrp="1"/>
           </p:cNvSpPr>
@@ -1483,7 +1351,7 @@
     </p:spTree>
     <p:extLst>
       <p:ext uri="{BB962C8B-B14F-4D97-AF65-F5344CB8AC3E}">
-        <p14:creationId xmlns:p14="http://schemas.microsoft.com/office/powerpoint/2010/main" val="3698193166"/>
+        <p14:creationId xmlns:p14="http://schemas.microsoft.com/office/powerpoint/2010/main" val="1597227413"/>
       </p:ext>
     </p:extLst>
   </p:cSld>
@@ -1512,70 +1380,38 @@
       </p:grpSpPr>
       <p:sp>
         <p:nvSpPr>
-          <p:cNvPr id="2" name="Title 1">
-            <a:extLst>
-              <a:ext uri="{FF2B5EF4-FFF2-40B4-BE49-F238E27FC236}">
-                <a16:creationId xmlns:a16="http://schemas.microsoft.com/office/drawing/2014/main" id="{B8E3A83A-769A-0EA6-0258-7CF57E8F39B3}"/>
-              </a:ext>
-            </a:extLst>
-          </p:cNvPr>
-          <p:cNvSpPr>
-            <a:spLocks noGrp="1"/>
-          </p:cNvSpPr>
-          <p:nvPr>
-            <p:ph type="title"/>
+          <p:cNvPr id="3" name="Text Placeholder 2"/>
+          <p:cNvSpPr>
+            <a:spLocks noGrp="1"/>
+          </p:cNvSpPr>
+          <p:nvPr>
+            <p:ph type="body" idx="1"/>
           </p:nvPr>
         </p:nvSpPr>
         <p:spPr>
           <a:xfrm>
-            <a:off x="839788" y="365125"/>
-            <a:ext cx="10515600" cy="1325563"/>
+            <a:off x="1583436" y="2313433"/>
+            <a:ext cx="4270248" cy="704087"/>
           </a:xfrm>
         </p:spPr>
         <p:txBody>
-          <a:bodyPr/>
-          <a:lstStyle/>
-          <a:p>
-            <a:r>
-              <a:rPr lang="en-GB"/>
-              <a:t>Click to edit Master title style</a:t>
-            </a:r>
-            <a:endParaRPr lang="en-US"/>
-          </a:p>
-        </p:txBody>
-      </p:sp>
-      <p:sp>
-        <p:nvSpPr>
-          <p:cNvPr id="3" name="Text Placeholder 2">
-            <a:extLst>
-              <a:ext uri="{FF2B5EF4-FFF2-40B4-BE49-F238E27FC236}">
-                <a16:creationId xmlns:a16="http://schemas.microsoft.com/office/drawing/2014/main" id="{44031325-7E59-2F37-98A6-746D0EEFDF06}"/>
-              </a:ext>
-            </a:extLst>
-          </p:cNvPr>
-          <p:cNvSpPr>
-            <a:spLocks noGrp="1"/>
-          </p:cNvSpPr>
-          <p:nvPr>
-            <p:ph type="body" idx="1"/>
-          </p:nvPr>
-        </p:nvSpPr>
-        <p:spPr>
-          <a:xfrm>
-            <a:off x="839788" y="1681163"/>
-            <a:ext cx="5157787" cy="823912"/>
-          </a:xfrm>
-        </p:spPr>
-        <p:txBody>
-          <a:bodyPr anchor="b"/>
+          <a:bodyPr anchor="b" anchorCtr="1">
+            <a:normAutofit/>
+          </a:bodyPr>
           <a:lstStyle>
-            <a:lvl1pPr marL="0" indent="0">
-              <a:buNone/>
-              <a:defRPr sz="2400" b="1"/>
+            <a:lvl1pPr marL="0" indent="0" algn="ctr">
+              <a:buNone/>
+              <a:defRPr sz="1900" b="0" cap="all" spc="100" baseline="0">
+                <a:solidFill>
+                  <a:schemeClr val="accent2">
+                    <a:lumMod val="75000"/>
+                  </a:schemeClr>
+                </a:solidFill>
+              </a:defRPr>
             </a:lvl1pPr>
             <a:lvl2pPr marL="457200" indent="0">
               <a:buNone/>
-              <a:defRPr sz="2000" b="1"/>
+              <a:defRPr sz="1900" b="1"/>
             </a:lvl2pPr>
             <a:lvl3pPr marL="914400" indent="0">
               <a:buNone/>
@@ -1617,13 +1453,7 @@
       </p:sp>
       <p:sp>
         <p:nvSpPr>
-          <p:cNvPr id="4" name="Content Placeholder 3">
-            <a:extLst>
-              <a:ext uri="{FF2B5EF4-FFF2-40B4-BE49-F238E27FC236}">
-                <a16:creationId xmlns:a16="http://schemas.microsoft.com/office/drawing/2014/main" id="{035D485C-D9D4-9AEC-9E44-A65626AE85A4}"/>
-              </a:ext>
-            </a:extLst>
-          </p:cNvPr>
+          <p:cNvPr id="4" name="Content Placeholder 3"/>
           <p:cNvSpPr>
             <a:spLocks noGrp="1"/>
           </p:cNvSpPr>
@@ -1633,8 +1463,8 @@
         </p:nvSpPr>
         <p:spPr>
           <a:xfrm>
-            <a:off x="839788" y="2505075"/>
-            <a:ext cx="5157787" cy="3684588"/>
+            <a:off x="1583436" y="3143250"/>
+            <a:ext cx="4270248" cy="2596776"/>
           </a:xfrm>
         </p:spPr>
         <p:txBody>
@@ -1674,42 +1504,105 @@
               <a:rPr lang="en-GB"/>
               <a:t>Fifth level</a:t>
             </a:r>
-            <a:endParaRPr lang="en-US"/>
-          </a:p>
-        </p:txBody>
-      </p:sp>
-      <p:sp>
-        <p:nvSpPr>
-          <p:cNvPr id="5" name="Text Placeholder 4">
-            <a:extLst>
-              <a:ext uri="{FF2B5EF4-FFF2-40B4-BE49-F238E27FC236}">
-                <a16:creationId xmlns:a16="http://schemas.microsoft.com/office/drawing/2014/main" id="{1FD9ED7B-2A97-1FF4-A79D-1FAD32725026}"/>
-              </a:ext>
-            </a:extLst>
-          </p:cNvPr>
-          <p:cNvSpPr>
-            <a:spLocks noGrp="1"/>
-          </p:cNvSpPr>
-          <p:nvPr>
-            <p:ph type="body" sz="quarter" idx="3"/>
+            <a:endParaRPr lang="en-US" dirty="0"/>
+          </a:p>
+        </p:txBody>
+      </p:sp>
+      <p:sp>
+        <p:nvSpPr>
+          <p:cNvPr id="6" name="Content Placeholder 5"/>
+          <p:cNvSpPr>
+            <a:spLocks noGrp="1"/>
+          </p:cNvSpPr>
+          <p:nvPr>
+            <p:ph sz="quarter" idx="4"/>
           </p:nvPr>
         </p:nvSpPr>
         <p:spPr>
           <a:xfrm>
-            <a:off x="6172200" y="1681163"/>
-            <a:ext cx="5183188" cy="823912"/>
+            <a:off x="6338316" y="3143250"/>
+            <a:ext cx="4253484" cy="2596776"/>
           </a:xfrm>
         </p:spPr>
         <p:txBody>
-          <a:bodyPr anchor="b"/>
+          <a:bodyPr/>
           <a:lstStyle>
-            <a:lvl1pPr marL="0" indent="0">
-              <a:buNone/>
-              <a:defRPr sz="2400" b="1"/>
+            <a:lvl5pPr>
+              <a:defRPr/>
+            </a:lvl5pPr>
+          </a:lstStyle>
+          <a:p>
+            <a:pPr lvl="0"/>
+            <a:r>
+              <a:rPr lang="en-GB"/>
+              <a:t>Click to edit Master text styles</a:t>
+            </a:r>
+          </a:p>
+          <a:p>
+            <a:pPr lvl="1"/>
+            <a:r>
+              <a:rPr lang="en-GB"/>
+              <a:t>Second level</a:t>
+            </a:r>
+          </a:p>
+          <a:p>
+            <a:pPr lvl="2"/>
+            <a:r>
+              <a:rPr lang="en-GB"/>
+              <a:t>Third level</a:t>
+            </a:r>
+          </a:p>
+          <a:p>
+            <a:pPr lvl="3"/>
+            <a:r>
+              <a:rPr lang="en-GB"/>
+              <a:t>Fourth level</a:t>
+            </a:r>
+          </a:p>
+          <a:p>
+            <a:pPr lvl="4"/>
+            <a:r>
+              <a:rPr lang="en-GB"/>
+              <a:t>Fifth level</a:t>
+            </a:r>
+            <a:endParaRPr lang="en-US" dirty="0"/>
+          </a:p>
+        </p:txBody>
+      </p:sp>
+      <p:sp>
+        <p:nvSpPr>
+          <p:cNvPr id="11" name="Text Placeholder 4"/>
+          <p:cNvSpPr>
+            <a:spLocks noGrp="1"/>
+          </p:cNvSpPr>
+          <p:nvPr>
+            <p:ph type="body" sz="quarter" idx="13"/>
+          </p:nvPr>
+        </p:nvSpPr>
+        <p:spPr>
+          <a:xfrm>
+            <a:off x="6338316" y="2313433"/>
+            <a:ext cx="4270248" cy="704087"/>
+          </a:xfrm>
+        </p:spPr>
+        <p:txBody>
+          <a:bodyPr anchor="b" anchorCtr="1">
+            <a:normAutofit/>
+          </a:bodyPr>
+          <a:lstStyle>
+            <a:lvl1pPr marL="0" indent="0" algn="ctr">
+              <a:buNone/>
+              <a:defRPr sz="1900" b="0" cap="all" spc="100" baseline="0">
+                <a:solidFill>
+                  <a:schemeClr val="accent2">
+                    <a:lumMod val="75000"/>
+                  </a:schemeClr>
+                </a:solidFill>
+              </a:defRPr>
             </a:lvl1pPr>
             <a:lvl2pPr marL="457200" indent="0">
               <a:buNone/>
-              <a:defRPr sz="2000" b="1"/>
+              <a:defRPr sz="1900" b="1"/>
             </a:lvl2pPr>
             <a:lvl3pPr marL="914400" indent="0">
               <a:buNone/>
@@ -1751,76 +1644,7 @@
       </p:sp>
       <p:sp>
         <p:nvSpPr>
-          <p:cNvPr id="6" name="Content Placeholder 5">
-            <a:extLst>
-              <a:ext uri="{FF2B5EF4-FFF2-40B4-BE49-F238E27FC236}">
-                <a16:creationId xmlns:a16="http://schemas.microsoft.com/office/drawing/2014/main" id="{1F71026C-1A26-DD40-C530-9510A75CDB92}"/>
-              </a:ext>
-            </a:extLst>
-          </p:cNvPr>
-          <p:cNvSpPr>
-            <a:spLocks noGrp="1"/>
-          </p:cNvSpPr>
-          <p:nvPr>
-            <p:ph sz="quarter" idx="4"/>
-          </p:nvPr>
-        </p:nvSpPr>
-        <p:spPr>
-          <a:xfrm>
-            <a:off x="6172200" y="2505075"/>
-            <a:ext cx="5183188" cy="3684588"/>
-          </a:xfrm>
-        </p:spPr>
-        <p:txBody>
-          <a:bodyPr/>
-          <a:lstStyle/>
-          <a:p>
-            <a:pPr lvl="0"/>
-            <a:r>
-              <a:rPr lang="en-GB"/>
-              <a:t>Click to edit Master text styles</a:t>
-            </a:r>
-          </a:p>
-          <a:p>
-            <a:pPr lvl="1"/>
-            <a:r>
-              <a:rPr lang="en-GB"/>
-              <a:t>Second level</a:t>
-            </a:r>
-          </a:p>
-          <a:p>
-            <a:pPr lvl="2"/>
-            <a:r>
-              <a:rPr lang="en-GB"/>
-              <a:t>Third level</a:t>
-            </a:r>
-          </a:p>
-          <a:p>
-            <a:pPr lvl="3"/>
-            <a:r>
-              <a:rPr lang="en-GB"/>
-              <a:t>Fourth level</a:t>
-            </a:r>
-          </a:p>
-          <a:p>
-            <a:pPr lvl="4"/>
-            <a:r>
-              <a:rPr lang="en-GB"/>
-              <a:t>Fifth level</a:t>
-            </a:r>
-            <a:endParaRPr lang="en-US"/>
-          </a:p>
-        </p:txBody>
-      </p:sp>
-      <p:sp>
-        <p:nvSpPr>
-          <p:cNvPr id="7" name="Date Placeholder 6">
-            <a:extLst>
-              <a:ext uri="{FF2B5EF4-FFF2-40B4-BE49-F238E27FC236}">
-                <a16:creationId xmlns:a16="http://schemas.microsoft.com/office/drawing/2014/main" id="{EF9BD960-DB0F-57DD-37FA-6FF3667355C1}"/>
-              </a:ext>
-            </a:extLst>
-          </p:cNvPr>
+          <p:cNvPr id="7" name="Date Placeholder 6"/>
           <p:cNvSpPr>
             <a:spLocks noGrp="1"/>
           </p:cNvSpPr>
@@ -1843,13 +1667,7 @@
       </p:sp>
       <p:sp>
         <p:nvSpPr>
-          <p:cNvPr id="8" name="Footer Placeholder 7">
-            <a:extLst>
-              <a:ext uri="{FF2B5EF4-FFF2-40B4-BE49-F238E27FC236}">
-                <a16:creationId xmlns:a16="http://schemas.microsoft.com/office/drawing/2014/main" id="{018CF850-4B4F-A994-4221-8AE73D55615A}"/>
-              </a:ext>
-            </a:extLst>
-          </p:cNvPr>
+          <p:cNvPr id="8" name="Footer Placeholder 7"/>
           <p:cNvSpPr>
             <a:spLocks noGrp="1"/>
           </p:cNvSpPr>
@@ -1868,13 +1686,7 @@
       </p:sp>
       <p:sp>
         <p:nvSpPr>
-          <p:cNvPr id="9" name="Slide Number Placeholder 8">
-            <a:extLst>
-              <a:ext uri="{FF2B5EF4-FFF2-40B4-BE49-F238E27FC236}">
-                <a16:creationId xmlns:a16="http://schemas.microsoft.com/office/drawing/2014/main" id="{2FA4873D-BC21-77AD-91D2-E2B06AD2708E}"/>
-              </a:ext>
-            </a:extLst>
-          </p:cNvPr>
+          <p:cNvPr id="9" name="Slide Number Placeholder 8"/>
           <p:cNvSpPr>
             <a:spLocks noGrp="1"/>
           </p:cNvSpPr>
@@ -1895,10 +1707,33 @@
           </a:p>
         </p:txBody>
       </p:sp>
+      <p:sp>
+        <p:nvSpPr>
+          <p:cNvPr id="10" name="Title 9"/>
+          <p:cNvSpPr>
+            <a:spLocks noGrp="1"/>
+          </p:cNvSpPr>
+          <p:nvPr>
+            <p:ph type="title"/>
+          </p:nvPr>
+        </p:nvSpPr>
+        <p:spPr/>
+        <p:txBody>
+          <a:bodyPr/>
+          <a:lstStyle/>
+          <a:p>
+            <a:r>
+              <a:rPr lang="en-GB"/>
+              <a:t>Click to edit Master title style</a:t>
+            </a:r>
+            <a:endParaRPr lang="en-US" dirty="0"/>
+          </a:p>
+        </p:txBody>
+      </p:sp>
     </p:spTree>
     <p:extLst>
       <p:ext uri="{BB962C8B-B14F-4D97-AF65-F5344CB8AC3E}">
-        <p14:creationId xmlns:p14="http://schemas.microsoft.com/office/powerpoint/2010/main" val="3536374781"/>
+        <p14:creationId xmlns:p14="http://schemas.microsoft.com/office/powerpoint/2010/main" val="470331034"/>
       </p:ext>
     </p:extLst>
   </p:cSld>
@@ -1927,13 +1762,7 @@
       </p:grpSpPr>
       <p:sp>
         <p:nvSpPr>
-          <p:cNvPr id="2" name="Title 1">
-            <a:extLst>
-              <a:ext uri="{FF2B5EF4-FFF2-40B4-BE49-F238E27FC236}">
-                <a16:creationId xmlns:a16="http://schemas.microsoft.com/office/drawing/2014/main" id="{D649A665-BFFB-760F-B50D-62DC82E99B0A}"/>
-              </a:ext>
-            </a:extLst>
-          </p:cNvPr>
+          <p:cNvPr id="2" name="Title 1"/>
           <p:cNvSpPr>
             <a:spLocks noGrp="1"/>
           </p:cNvSpPr>
@@ -1950,19 +1779,13 @@
               <a:rPr lang="en-GB"/>
               <a:t>Click to edit Master title style</a:t>
             </a:r>
-            <a:endParaRPr lang="en-US"/>
-          </a:p>
-        </p:txBody>
-      </p:sp>
-      <p:sp>
-        <p:nvSpPr>
-          <p:cNvPr id="3" name="Date Placeholder 2">
-            <a:extLst>
-              <a:ext uri="{FF2B5EF4-FFF2-40B4-BE49-F238E27FC236}">
-                <a16:creationId xmlns:a16="http://schemas.microsoft.com/office/drawing/2014/main" id="{D5CD47B1-1D2A-BAB4-8820-EEDBEAE42B8C}"/>
-              </a:ext>
-            </a:extLst>
-          </p:cNvPr>
+            <a:endParaRPr lang="en-US" dirty="0"/>
+          </a:p>
+        </p:txBody>
+      </p:sp>
+      <p:sp>
+        <p:nvSpPr>
+          <p:cNvPr id="3" name="Date Placeholder 2"/>
           <p:cNvSpPr>
             <a:spLocks noGrp="1"/>
           </p:cNvSpPr>
@@ -1985,13 +1808,7 @@
       </p:sp>
       <p:sp>
         <p:nvSpPr>
-          <p:cNvPr id="4" name="Footer Placeholder 3">
-            <a:extLst>
-              <a:ext uri="{FF2B5EF4-FFF2-40B4-BE49-F238E27FC236}">
-                <a16:creationId xmlns:a16="http://schemas.microsoft.com/office/drawing/2014/main" id="{F2C6F1D9-E8B8-9154-C338-3F434FA20916}"/>
-              </a:ext>
-            </a:extLst>
-          </p:cNvPr>
+          <p:cNvPr id="4" name="Footer Placeholder 3"/>
           <p:cNvSpPr>
             <a:spLocks noGrp="1"/>
           </p:cNvSpPr>
@@ -2010,13 +1827,7 @@
       </p:sp>
       <p:sp>
         <p:nvSpPr>
-          <p:cNvPr id="5" name="Slide Number Placeholder 4">
-            <a:extLst>
-              <a:ext uri="{FF2B5EF4-FFF2-40B4-BE49-F238E27FC236}">
-                <a16:creationId xmlns:a16="http://schemas.microsoft.com/office/drawing/2014/main" id="{4AF311D2-2BDB-4254-0053-8213A0B6CF24}"/>
-              </a:ext>
-            </a:extLst>
-          </p:cNvPr>
+          <p:cNvPr id="5" name="Slide Number Placeholder 4"/>
           <p:cNvSpPr>
             <a:spLocks noGrp="1"/>
           </p:cNvSpPr>
@@ -2040,7 +1851,7 @@
     </p:spTree>
     <p:extLst>
       <p:ext uri="{BB962C8B-B14F-4D97-AF65-F5344CB8AC3E}">
-        <p14:creationId xmlns:p14="http://schemas.microsoft.com/office/powerpoint/2010/main" val="1998694519"/>
+        <p14:creationId xmlns:p14="http://schemas.microsoft.com/office/powerpoint/2010/main" val="1812998495"/>
       </p:ext>
     </p:extLst>
   </p:cSld>
@@ -2069,13 +1880,7 @@
       </p:grpSpPr>
       <p:sp>
         <p:nvSpPr>
-          <p:cNvPr id="2" name="Date Placeholder 1">
-            <a:extLst>
-              <a:ext uri="{FF2B5EF4-FFF2-40B4-BE49-F238E27FC236}">
-                <a16:creationId xmlns:a16="http://schemas.microsoft.com/office/drawing/2014/main" id="{FCCFBCE6-CDB5-8D93-3FA7-6E3272640F10}"/>
-              </a:ext>
-            </a:extLst>
-          </p:cNvPr>
+          <p:cNvPr id="2" name="Date Placeholder 1"/>
           <p:cNvSpPr>
             <a:spLocks noGrp="1"/>
           </p:cNvSpPr>
@@ -2098,13 +1903,7 @@
       </p:sp>
       <p:sp>
         <p:nvSpPr>
-          <p:cNvPr id="3" name="Footer Placeholder 2">
-            <a:extLst>
-              <a:ext uri="{FF2B5EF4-FFF2-40B4-BE49-F238E27FC236}">
-                <a16:creationId xmlns:a16="http://schemas.microsoft.com/office/drawing/2014/main" id="{6345FDAF-8E50-F75D-E024-DD4C4F01E28F}"/>
-              </a:ext>
-            </a:extLst>
-          </p:cNvPr>
+          <p:cNvPr id="3" name="Footer Placeholder 2"/>
           <p:cNvSpPr>
             <a:spLocks noGrp="1"/>
           </p:cNvSpPr>
@@ -2123,13 +1922,7 @@
       </p:sp>
       <p:sp>
         <p:nvSpPr>
-          <p:cNvPr id="4" name="Slide Number Placeholder 3">
-            <a:extLst>
-              <a:ext uri="{FF2B5EF4-FFF2-40B4-BE49-F238E27FC236}">
-                <a16:creationId xmlns:a16="http://schemas.microsoft.com/office/drawing/2014/main" id="{9854C712-237D-1516-0385-B711724A4C5B}"/>
-              </a:ext>
-            </a:extLst>
-          </p:cNvPr>
+          <p:cNvPr id="4" name="Slide Number Placeholder 3"/>
           <p:cNvSpPr>
             <a:spLocks noGrp="1"/>
           </p:cNvSpPr>
@@ -2153,7 +1946,7 @@
     </p:spTree>
     <p:extLst>
       <p:ext uri="{BB962C8B-B14F-4D97-AF65-F5344CB8AC3E}">
-        <p14:creationId xmlns:p14="http://schemas.microsoft.com/office/powerpoint/2010/main" val="1344110428"/>
+        <p14:creationId xmlns:p14="http://schemas.microsoft.com/office/powerpoint/2010/main" val="3853935490"/>
       </p:ext>
     </p:extLst>
   </p:cSld>
@@ -2182,161 +1975,223 @@
       </p:grpSpPr>
       <p:sp>
         <p:nvSpPr>
-          <p:cNvPr id="2" name="Title 1">
-            <a:extLst>
-              <a:ext uri="{FF2B5EF4-FFF2-40B4-BE49-F238E27FC236}">
-                <a16:creationId xmlns:a16="http://schemas.microsoft.com/office/drawing/2014/main" id="{B6234CC0-F5B3-D8AF-D4A8-5E92DC26731E}"/>
-              </a:ext>
-            </a:extLst>
-          </p:cNvPr>
-          <p:cNvSpPr>
-            <a:spLocks noGrp="1"/>
-          </p:cNvSpPr>
-          <p:nvPr>
-            <p:ph type="title"/>
-          </p:nvPr>
+          <p:cNvPr id="26" name="Rectangle 25"/>
+          <p:cNvSpPr/>
+          <p:nvPr/>
         </p:nvSpPr>
         <p:spPr>
           <a:xfrm>
-            <a:off x="839788" y="457200"/>
-            <a:ext cx="3932237" cy="1600200"/>
+            <a:off x="0" y="0"/>
+            <a:ext cx="6096000" cy="6858000"/>
+          </a:xfrm>
+          <a:prstGeom prst="rect">
+            <a:avLst/>
+          </a:prstGeom>
+          <a:solidFill>
+            <a:schemeClr val="accent2"/>
+          </a:solidFill>
+          <a:ln>
+            <a:noFill/>
+          </a:ln>
+        </p:spPr>
+        <p:style>
+          <a:lnRef idx="2">
+            <a:schemeClr val="accent1">
+              <a:shade val="50000"/>
+            </a:schemeClr>
+          </a:lnRef>
+          <a:fillRef idx="1">
+            <a:schemeClr val="accent1"/>
+          </a:fillRef>
+          <a:effectRef idx="0">
+            <a:schemeClr val="accent1"/>
+          </a:effectRef>
+          <a:fontRef idx="minor">
+            <a:schemeClr val="lt1"/>
+          </a:fontRef>
+        </p:style>
+      </p:sp>
+      <p:sp>
+        <p:nvSpPr>
+          <p:cNvPr id="2" name="Title 1"/>
+          <p:cNvSpPr>
+            <a:spLocks noGrp="1"/>
+          </p:cNvSpPr>
+          <p:nvPr>
+            <p:ph type="title"/>
+          </p:nvPr>
+        </p:nvSpPr>
+        <p:spPr bwMode="blackWhite">
+          <a:xfrm>
+            <a:off x="804672" y="2243828"/>
+            <a:ext cx="4486656" cy="1141497"/>
+          </a:xfrm>
+          <a:solidFill>
+            <a:srgbClr val="FFFFFF"/>
+          </a:solidFill>
+          <a:ln>
+            <a:solidFill>
+              <a:srgbClr val="404040"/>
+            </a:solidFill>
+          </a:ln>
+        </p:spPr>
+        <p:txBody>
+          <a:bodyPr anchor="ctr" anchorCtr="1">
+            <a:normAutofit/>
+          </a:bodyPr>
+          <a:lstStyle>
+            <a:lvl1pPr>
+              <a:defRPr sz="2200">
+                <a:solidFill>
+                  <a:srgbClr val="262626"/>
+                </a:solidFill>
+              </a:defRPr>
+            </a:lvl1pPr>
+          </a:lstStyle>
+          <a:p>
+            <a:r>
+              <a:rPr lang="en-GB"/>
+              <a:t>Click to edit Master title style</a:t>
+            </a:r>
+            <a:endParaRPr lang="en-US" dirty="0"/>
+          </a:p>
+        </p:txBody>
+      </p:sp>
+      <p:sp>
+        <p:nvSpPr>
+          <p:cNvPr id="3" name="Content Placeholder 2"/>
+          <p:cNvSpPr>
+            <a:spLocks noGrp="1"/>
+          </p:cNvSpPr>
+          <p:nvPr>
+            <p:ph idx="1"/>
+          </p:nvPr>
+        </p:nvSpPr>
+        <p:spPr>
+          <a:xfrm>
+            <a:off x="6736080" y="804672"/>
+            <a:ext cx="4815840" cy="5248656"/>
           </a:xfrm>
         </p:spPr>
         <p:txBody>
-          <a:bodyPr anchor="b"/>
+          <a:bodyPr>
+            <a:normAutofit/>
+          </a:bodyPr>
           <a:lstStyle>
             <a:lvl1pPr>
-              <a:defRPr sz="3200"/>
+              <a:defRPr sz="1900">
+                <a:solidFill>
+                  <a:schemeClr val="tx1"/>
+                </a:solidFill>
+              </a:defRPr>
             </a:lvl1pPr>
+            <a:lvl2pPr>
+              <a:defRPr sz="1600">
+                <a:solidFill>
+                  <a:schemeClr val="tx1"/>
+                </a:solidFill>
+              </a:defRPr>
+            </a:lvl2pPr>
+            <a:lvl3pPr>
+              <a:defRPr sz="1600">
+                <a:solidFill>
+                  <a:schemeClr val="tx1"/>
+                </a:solidFill>
+              </a:defRPr>
+            </a:lvl3pPr>
+            <a:lvl4pPr>
+              <a:defRPr sz="1600">
+                <a:solidFill>
+                  <a:schemeClr val="tx1"/>
+                </a:solidFill>
+              </a:defRPr>
+            </a:lvl4pPr>
+            <a:lvl5pPr>
+              <a:defRPr sz="1600">
+                <a:solidFill>
+                  <a:schemeClr val="tx1"/>
+                </a:solidFill>
+              </a:defRPr>
+            </a:lvl5pPr>
+            <a:lvl6pPr>
+              <a:defRPr sz="1600"/>
+            </a:lvl6pPr>
+            <a:lvl7pPr>
+              <a:defRPr sz="1600"/>
+            </a:lvl7pPr>
+            <a:lvl8pPr>
+              <a:defRPr sz="1600"/>
+            </a:lvl8pPr>
+            <a:lvl9pPr>
+              <a:defRPr sz="1600"/>
+            </a:lvl9pPr>
           </a:lstStyle>
           <a:p>
-            <a:r>
-              <a:rPr lang="en-GB"/>
-              <a:t>Click to edit Master title style</a:t>
-            </a:r>
-            <a:endParaRPr lang="en-US"/>
-          </a:p>
-        </p:txBody>
-      </p:sp>
-      <p:sp>
-        <p:nvSpPr>
-          <p:cNvPr id="3" name="Content Placeholder 2">
-            <a:extLst>
-              <a:ext uri="{FF2B5EF4-FFF2-40B4-BE49-F238E27FC236}">
-                <a16:creationId xmlns:a16="http://schemas.microsoft.com/office/drawing/2014/main" id="{55594973-DE38-EB5D-8382-C9E5E7B9303E}"/>
-              </a:ext>
-            </a:extLst>
-          </p:cNvPr>
-          <p:cNvSpPr>
-            <a:spLocks noGrp="1"/>
-          </p:cNvSpPr>
-          <p:nvPr>
-            <p:ph idx="1"/>
+            <a:pPr lvl="0"/>
+            <a:r>
+              <a:rPr lang="en-GB"/>
+              <a:t>Click to edit Master text styles</a:t>
+            </a:r>
+          </a:p>
+          <a:p>
+            <a:pPr lvl="1"/>
+            <a:r>
+              <a:rPr lang="en-GB"/>
+              <a:t>Second level</a:t>
+            </a:r>
+          </a:p>
+          <a:p>
+            <a:pPr lvl="2"/>
+            <a:r>
+              <a:rPr lang="en-GB"/>
+              <a:t>Third level</a:t>
+            </a:r>
+          </a:p>
+          <a:p>
+            <a:pPr lvl="3"/>
+            <a:r>
+              <a:rPr lang="en-GB"/>
+              <a:t>Fourth level</a:t>
+            </a:r>
+          </a:p>
+          <a:p>
+            <a:pPr lvl="4"/>
+            <a:r>
+              <a:rPr lang="en-GB"/>
+              <a:t>Fifth level</a:t>
+            </a:r>
+            <a:endParaRPr lang="en-US" dirty="0"/>
+          </a:p>
+        </p:txBody>
+      </p:sp>
+      <p:sp>
+        <p:nvSpPr>
+          <p:cNvPr id="4" name="Text Placeholder 3"/>
+          <p:cNvSpPr>
+            <a:spLocks noGrp="1"/>
+          </p:cNvSpPr>
+          <p:nvPr>
+            <p:ph type="body" sz="half" idx="2"/>
           </p:nvPr>
         </p:nvSpPr>
         <p:spPr>
           <a:xfrm>
-            <a:off x="5183188" y="987425"/>
-            <a:ext cx="6172200" cy="4873625"/>
+            <a:off x="1115568" y="3549918"/>
+            <a:ext cx="3794760" cy="2194036"/>
           </a:xfrm>
         </p:spPr>
         <p:txBody>
-          <a:bodyPr/>
+          <a:bodyPr anchor="t" anchorCtr="1">
+            <a:normAutofit/>
+          </a:bodyPr>
           <a:lstStyle>
-            <a:lvl1pPr>
-              <a:defRPr sz="3200"/>
-            </a:lvl1pPr>
-            <a:lvl2pPr>
-              <a:defRPr sz="2800"/>
-            </a:lvl2pPr>
-            <a:lvl3pPr>
-              <a:defRPr sz="2400"/>
-            </a:lvl3pPr>
-            <a:lvl4pPr>
-              <a:defRPr sz="2000"/>
-            </a:lvl4pPr>
-            <a:lvl5pPr>
-              <a:defRPr sz="2000"/>
-            </a:lvl5pPr>
-            <a:lvl6pPr>
-              <a:defRPr sz="2000"/>
-            </a:lvl6pPr>
-            <a:lvl7pPr>
-              <a:defRPr sz="2000"/>
-            </a:lvl7pPr>
-            <a:lvl8pPr>
-              <a:defRPr sz="2000"/>
-            </a:lvl8pPr>
-            <a:lvl9pPr>
-              <a:defRPr sz="2000"/>
-            </a:lvl9pPr>
-          </a:lstStyle>
-          <a:p>
-            <a:pPr lvl="0"/>
-            <a:r>
-              <a:rPr lang="en-GB"/>
-              <a:t>Click to edit Master text styles</a:t>
-            </a:r>
-          </a:p>
-          <a:p>
-            <a:pPr lvl="1"/>
-            <a:r>
-              <a:rPr lang="en-GB"/>
-              <a:t>Second level</a:t>
-            </a:r>
-          </a:p>
-          <a:p>
-            <a:pPr lvl="2"/>
-            <a:r>
-              <a:rPr lang="en-GB"/>
-              <a:t>Third level</a:t>
-            </a:r>
-          </a:p>
-          <a:p>
-            <a:pPr lvl="3"/>
-            <a:r>
-              <a:rPr lang="en-GB"/>
-              <a:t>Fourth level</a:t>
-            </a:r>
-          </a:p>
-          <a:p>
-            <a:pPr lvl="4"/>
-            <a:r>
-              <a:rPr lang="en-GB"/>
-              <a:t>Fifth level</a:t>
-            </a:r>
-            <a:endParaRPr lang="en-US"/>
-          </a:p>
-        </p:txBody>
-      </p:sp>
-      <p:sp>
-        <p:nvSpPr>
-          <p:cNvPr id="4" name="Text Placeholder 3">
-            <a:extLst>
-              <a:ext uri="{FF2B5EF4-FFF2-40B4-BE49-F238E27FC236}">
-                <a16:creationId xmlns:a16="http://schemas.microsoft.com/office/drawing/2014/main" id="{CF28A714-A08A-0912-734B-A79A57FB151C}"/>
-              </a:ext>
-            </a:extLst>
-          </p:cNvPr>
-          <p:cNvSpPr>
-            <a:spLocks noGrp="1"/>
-          </p:cNvSpPr>
-          <p:nvPr>
-            <p:ph type="body" sz="half" idx="2"/>
-          </p:nvPr>
-        </p:nvSpPr>
-        <p:spPr>
-          <a:xfrm>
-            <a:off x="839788" y="2057400"/>
-            <a:ext cx="3932237" cy="3811588"/>
-          </a:xfrm>
-        </p:spPr>
-        <p:txBody>
-          <a:bodyPr/>
-          <a:lstStyle>
-            <a:lvl1pPr marL="0" indent="0">
-              <a:buNone/>
-              <a:defRPr sz="1600"/>
+            <a:lvl1pPr marL="0" indent="0" algn="ctr">
+              <a:buNone/>
+              <a:defRPr sz="1500">
+                <a:solidFill>
+                  <a:srgbClr val="FFFFFF"/>
+                </a:solidFill>
+              </a:defRPr>
             </a:lvl1pPr>
             <a:lvl2pPr marL="457200" indent="0">
               <a:buNone/>
@@ -2382,13 +2237,7 @@
       </p:sp>
       <p:sp>
         <p:nvSpPr>
-          <p:cNvPr id="5" name="Date Placeholder 4">
-            <a:extLst>
-              <a:ext uri="{FF2B5EF4-FFF2-40B4-BE49-F238E27FC236}">
-                <a16:creationId xmlns:a16="http://schemas.microsoft.com/office/drawing/2014/main" id="{B9D2FD36-F30B-5A92-9CAF-F6701F97A973}"/>
-              </a:ext>
-            </a:extLst>
-          </p:cNvPr>
+          <p:cNvPr id="9" name="Date Placeholder 8"/>
           <p:cNvSpPr>
             <a:spLocks noGrp="1"/>
           </p:cNvSpPr>
@@ -2411,13 +2260,7 @@
       </p:sp>
       <p:sp>
         <p:nvSpPr>
-          <p:cNvPr id="6" name="Footer Placeholder 5">
-            <a:extLst>
-              <a:ext uri="{FF2B5EF4-FFF2-40B4-BE49-F238E27FC236}">
-                <a16:creationId xmlns:a16="http://schemas.microsoft.com/office/drawing/2014/main" id="{7B5094B7-46E3-3B0C-F482-EA8BFA4D63DD}"/>
-              </a:ext>
-            </a:extLst>
-          </p:cNvPr>
+          <p:cNvPr id="10" name="Footer Placeholder 9"/>
           <p:cNvSpPr>
             <a:spLocks noGrp="1"/>
           </p:cNvSpPr>
@@ -2425,10 +2268,25 @@
             <p:ph type="ftr" sz="quarter" idx="11"/>
           </p:nvPr>
         </p:nvSpPr>
-        <p:spPr/>
-        <p:txBody>
-          <a:bodyPr/>
-          <a:lstStyle/>
+        <p:spPr>
+          <a:xfrm>
+            <a:off x="804672" y="6236208"/>
+            <a:ext cx="5124797" cy="320040"/>
+          </a:xfrm>
+        </p:spPr>
+        <p:txBody>
+          <a:bodyPr/>
+          <a:lstStyle>
+            <a:lvl1pPr>
+              <a:defRPr>
+                <a:solidFill>
+                  <a:srgbClr val="FFFFFF">
+                    <a:alpha val="70000"/>
+                  </a:srgbClr>
+                </a:solidFill>
+              </a:defRPr>
+            </a:lvl1pPr>
+          </a:lstStyle>
           <a:p>
             <a:endParaRPr lang="en-US"/>
           </a:p>
@@ -2436,13 +2294,7 @@
       </p:sp>
       <p:sp>
         <p:nvSpPr>
-          <p:cNvPr id="7" name="Slide Number Placeholder 6">
-            <a:extLst>
-              <a:ext uri="{FF2B5EF4-FFF2-40B4-BE49-F238E27FC236}">
-                <a16:creationId xmlns:a16="http://schemas.microsoft.com/office/drawing/2014/main" id="{3224F8A6-DB33-29B5-EF4C-B145EE9E2E17}"/>
-              </a:ext>
-            </a:extLst>
-          </p:cNvPr>
+          <p:cNvPr id="11" name="Slide Number Placeholder 10"/>
           <p:cNvSpPr>
             <a:spLocks noGrp="1"/>
           </p:cNvSpPr>
@@ -2466,7 +2318,7 @@
     </p:spTree>
     <p:extLst>
       <p:ext uri="{BB962C8B-B14F-4D97-AF65-F5344CB8AC3E}">
-        <p14:creationId xmlns:p14="http://schemas.microsoft.com/office/powerpoint/2010/main" val="3806643075"/>
+        <p14:creationId xmlns:p14="http://schemas.microsoft.com/office/powerpoint/2010/main" val="2775123321"/>
       </p:ext>
     </p:extLst>
   </p:cSld>
@@ -2495,31 +2347,77 @@
       </p:grpSpPr>
       <p:sp>
         <p:nvSpPr>
-          <p:cNvPr id="2" name="Title 1">
-            <a:extLst>
-              <a:ext uri="{FF2B5EF4-FFF2-40B4-BE49-F238E27FC236}">
-                <a16:creationId xmlns:a16="http://schemas.microsoft.com/office/drawing/2014/main" id="{493AC246-F94E-271C-7D76-686193BD1AB6}"/>
-              </a:ext>
-            </a:extLst>
-          </p:cNvPr>
-          <p:cNvSpPr>
-            <a:spLocks noGrp="1"/>
-          </p:cNvSpPr>
-          <p:nvPr>
-            <p:ph type="title"/>
-          </p:nvPr>
+          <p:cNvPr id="18" name="Rectangle 17"/>
+          <p:cNvSpPr/>
+          <p:nvPr/>
         </p:nvSpPr>
         <p:spPr>
           <a:xfrm>
-            <a:off x="839788" y="457200"/>
-            <a:ext cx="3932237" cy="1600200"/>
+            <a:off x="0" y="0"/>
+            <a:ext cx="6095999" cy="6858000"/>
           </a:xfrm>
+          <a:prstGeom prst="rect">
+            <a:avLst/>
+          </a:prstGeom>
+          <a:solidFill>
+            <a:schemeClr val="accent2"/>
+          </a:solidFill>
+          <a:ln>
+            <a:noFill/>
+          </a:ln>
         </p:spPr>
-        <p:txBody>
-          <a:bodyPr anchor="b"/>
+        <p:style>
+          <a:lnRef idx="2">
+            <a:schemeClr val="accent1">
+              <a:shade val="50000"/>
+            </a:schemeClr>
+          </a:lnRef>
+          <a:fillRef idx="1">
+            <a:schemeClr val="accent1"/>
+          </a:fillRef>
+          <a:effectRef idx="0">
+            <a:schemeClr val="accent1"/>
+          </a:effectRef>
+          <a:fontRef idx="minor">
+            <a:schemeClr val="lt1"/>
+          </a:fontRef>
+        </p:style>
+      </p:sp>
+      <p:sp>
+        <p:nvSpPr>
+          <p:cNvPr id="2" name="Title 1"/>
+          <p:cNvSpPr>
+            <a:spLocks noGrp="1"/>
+          </p:cNvSpPr>
+          <p:nvPr>
+            <p:ph type="title"/>
+          </p:nvPr>
+        </p:nvSpPr>
+        <p:spPr bwMode="blackWhite">
+          <a:xfrm>
+            <a:off x="808523" y="2243828"/>
+            <a:ext cx="4494998" cy="1134640"/>
+          </a:xfrm>
+          <a:solidFill>
+            <a:srgbClr val="FFFFFF"/>
+          </a:solidFill>
+          <a:ln>
+            <a:solidFill>
+              <a:srgbClr val="404040"/>
+            </a:solidFill>
+          </a:ln>
+        </p:spPr>
+        <p:txBody>
+          <a:bodyPr anchor="ctr" anchorCtr="1">
+            <a:noAutofit/>
+          </a:bodyPr>
           <a:lstStyle>
             <a:lvl1pPr>
-              <a:defRPr sz="3200"/>
+              <a:defRPr sz="2200">
+                <a:solidFill>
+                  <a:srgbClr val="262626"/>
+                </a:solidFill>
+              </a:defRPr>
             </a:lvl1pPr>
           </a:lstStyle>
           <a:p>
@@ -2527,21 +2425,15 @@
               <a:rPr lang="en-GB"/>
               <a:t>Click to edit Master title style</a:t>
             </a:r>
-            <a:endParaRPr lang="en-US"/>
-          </a:p>
-        </p:txBody>
-      </p:sp>
-      <p:sp>
-        <p:nvSpPr>
-          <p:cNvPr id="3" name="Picture Placeholder 2">
-            <a:extLst>
-              <a:ext uri="{FF2B5EF4-FFF2-40B4-BE49-F238E27FC236}">
-                <a16:creationId xmlns:a16="http://schemas.microsoft.com/office/drawing/2014/main" id="{C55870E2-ABF7-3447-FB51-1E3CCCA846D0}"/>
-              </a:ext>
-            </a:extLst>
-          </p:cNvPr>
-          <p:cNvSpPr>
-            <a:spLocks noGrp="1"/>
+            <a:endParaRPr lang="en-US" dirty="0"/>
+          </a:p>
+        </p:txBody>
+      </p:sp>
+      <p:sp>
+        <p:nvSpPr>
+          <p:cNvPr id="3" name="Picture Placeholder 2"/>
+          <p:cNvSpPr>
+            <a:spLocks noGrp="1" noChangeAspect="1"/>
           </p:cNvSpPr>
           <p:nvPr>
             <p:ph type="pic" idx="1"/>
@@ -2549,16 +2441,28 @@
         </p:nvSpPr>
         <p:spPr>
           <a:xfrm>
-            <a:off x="5183188" y="987425"/>
-            <a:ext cx="6172200" cy="4873625"/>
+            <a:off x="6095999" y="0"/>
+            <a:ext cx="6102097" cy="6858000"/>
           </a:xfrm>
+          <a:solidFill>
+            <a:schemeClr val="bg1">
+              <a:lumMod val="75000"/>
+            </a:schemeClr>
+          </a:solidFill>
         </p:spPr>
         <p:txBody>
-          <a:bodyPr/>
+          <a:bodyPr anchor="t"/>
           <a:lstStyle>
             <a:lvl1pPr marL="0" indent="0">
               <a:buNone/>
-              <a:defRPr sz="3200"/>
+              <a:defRPr sz="3200">
+                <a:solidFill>
+                  <a:schemeClr val="bg1">
+                    <a:lumMod val="85000"/>
+                    <a:lumOff val="15000"/>
+                  </a:schemeClr>
+                </a:solidFill>
+              </a:defRPr>
             </a:lvl1pPr>
             <a:lvl2pPr marL="457200" indent="0">
               <a:buNone/>
@@ -2594,19 +2498,17 @@
             </a:lvl9pPr>
           </a:lstStyle>
           <a:p>
-            <a:endParaRPr lang="en-US"/>
-          </a:p>
-        </p:txBody>
-      </p:sp>
-      <p:sp>
-        <p:nvSpPr>
-          <p:cNvPr id="4" name="Text Placeholder 3">
-            <a:extLst>
-              <a:ext uri="{FF2B5EF4-FFF2-40B4-BE49-F238E27FC236}">
-                <a16:creationId xmlns:a16="http://schemas.microsoft.com/office/drawing/2014/main" id="{BD53AFF9-FB2A-D34E-1C6D-866F2986FB26}"/>
-              </a:ext>
-            </a:extLst>
-          </p:cNvPr>
+            <a:r>
+              <a:rPr lang="en-GB"/>
+              <a:t>Click icon to add picture</a:t>
+            </a:r>
+            <a:endParaRPr lang="en-US" dirty="0"/>
+          </a:p>
+        </p:txBody>
+      </p:sp>
+      <p:sp>
+        <p:nvSpPr>
+          <p:cNvPr id="4" name="Text Placeholder 3"/>
           <p:cNvSpPr>
             <a:spLocks noGrp="1"/>
           </p:cNvSpPr>
@@ -2616,16 +2518,22 @@
         </p:nvSpPr>
         <p:spPr>
           <a:xfrm>
-            <a:off x="839788" y="2057400"/>
-            <a:ext cx="3932237" cy="3811588"/>
+            <a:off x="1115568" y="3549918"/>
+            <a:ext cx="3794760" cy="2194037"/>
           </a:xfrm>
         </p:spPr>
         <p:txBody>
-          <a:bodyPr/>
+          <a:bodyPr anchor="t" anchorCtr="1">
+            <a:normAutofit/>
+          </a:bodyPr>
           <a:lstStyle>
-            <a:lvl1pPr marL="0" indent="0">
-              <a:buNone/>
-              <a:defRPr sz="1600"/>
+            <a:lvl1pPr marL="0" indent="0" algn="ctr">
+              <a:buNone/>
+              <a:defRPr sz="1500">
+                <a:solidFill>
+                  <a:srgbClr val="FFFFFF"/>
+                </a:solidFill>
+              </a:defRPr>
             </a:lvl1pPr>
             <a:lvl2pPr marL="457200" indent="0">
               <a:buNone/>
@@ -2671,13 +2579,7 @@
       </p:sp>
       <p:sp>
         <p:nvSpPr>
-          <p:cNvPr id="5" name="Date Placeholder 4">
-            <a:extLst>
-              <a:ext uri="{FF2B5EF4-FFF2-40B4-BE49-F238E27FC236}">
-                <a16:creationId xmlns:a16="http://schemas.microsoft.com/office/drawing/2014/main" id="{C9687D01-5B3C-B08A-40E9-E2C2AF84A398}"/>
-              </a:ext>
-            </a:extLst>
-          </p:cNvPr>
+          <p:cNvPr id="8" name="Date Placeholder 7"/>
           <p:cNvSpPr>
             <a:spLocks noGrp="1"/>
           </p:cNvSpPr>
@@ -2688,7 +2590,22 @@
         <p:spPr/>
         <p:txBody>
           <a:bodyPr/>
-          <a:lstStyle/>
+          <a:lstStyle>
+            <a:lvl1pPr>
+              <a:defRPr>
+                <a:solidFill>
+                  <a:srgbClr val="FFFFFF"/>
+                </a:solidFill>
+                <a:effectLst>
+                  <a:outerShdw blurRad="50800" dist="38100" dir="2700000" algn="tl" rotWithShape="0">
+                    <a:prstClr val="black">
+                      <a:alpha val="43000"/>
+                    </a:prstClr>
+                  </a:outerShdw>
+                </a:effectLst>
+              </a:defRPr>
+            </a:lvl1pPr>
+          </a:lstStyle>
           <a:p>
             <a:fld id="{001F1462-80BD-EE4D-B03D-51BF6E4F8E22}" type="datetimeFigureOut">
               <a:rPr lang="en-US" smtClean="0"/>
@@ -2700,13 +2617,7 @@
       </p:sp>
       <p:sp>
         <p:nvSpPr>
-          <p:cNvPr id="6" name="Footer Placeholder 5">
-            <a:extLst>
-              <a:ext uri="{FF2B5EF4-FFF2-40B4-BE49-F238E27FC236}">
-                <a16:creationId xmlns:a16="http://schemas.microsoft.com/office/drawing/2014/main" id="{9813C362-6A81-5A59-6AFE-2855E7E58F27}"/>
-              </a:ext>
-            </a:extLst>
-          </p:cNvPr>
+          <p:cNvPr id="9" name="Footer Placeholder 8"/>
           <p:cNvSpPr>
             <a:spLocks noGrp="1"/>
           </p:cNvSpPr>
@@ -2714,10 +2625,25 @@
             <p:ph type="ftr" sz="quarter" idx="11"/>
           </p:nvPr>
         </p:nvSpPr>
-        <p:spPr/>
-        <p:txBody>
-          <a:bodyPr/>
-          <a:lstStyle/>
+        <p:spPr>
+          <a:xfrm>
+            <a:off x="804672" y="6236208"/>
+            <a:ext cx="5124797" cy="320040"/>
+          </a:xfrm>
+        </p:spPr>
+        <p:txBody>
+          <a:bodyPr/>
+          <a:lstStyle>
+            <a:lvl1pPr>
+              <a:defRPr>
+                <a:solidFill>
+                  <a:srgbClr val="FFFFFF">
+                    <a:alpha val="70000"/>
+                  </a:srgbClr>
+                </a:solidFill>
+              </a:defRPr>
+            </a:lvl1pPr>
+          </a:lstStyle>
           <a:p>
             <a:endParaRPr lang="en-US"/>
           </a:p>
@@ -2725,13 +2651,7 @@
       </p:sp>
       <p:sp>
         <p:nvSpPr>
-          <p:cNvPr id="7" name="Slide Number Placeholder 6">
-            <a:extLst>
-              <a:ext uri="{FF2B5EF4-FFF2-40B4-BE49-F238E27FC236}">
-                <a16:creationId xmlns:a16="http://schemas.microsoft.com/office/drawing/2014/main" id="{D851A6B6-DE6B-0618-C7D1-E4BC3A5CDB9D}"/>
-              </a:ext>
-            </a:extLst>
-          </p:cNvPr>
+          <p:cNvPr id="10" name="Slide Number Placeholder 9"/>
           <p:cNvSpPr>
             <a:spLocks noGrp="1"/>
           </p:cNvSpPr>
@@ -2755,7 +2675,7 @@
     </p:spTree>
     <p:extLst>
       <p:ext uri="{BB962C8B-B14F-4D97-AF65-F5344CB8AC3E}">
-        <p14:creationId xmlns:p14="http://schemas.microsoft.com/office/powerpoint/2010/main" val="38843572"/>
+        <p14:creationId xmlns:p14="http://schemas.microsoft.com/office/powerpoint/2010/main" val="3277871155"/>
       </p:ext>
     </p:extLst>
   </p:cSld>
@@ -2769,9 +2689,14 @@
 <p:sldMaster xmlns:a="http://schemas.openxmlformats.org/drawingml/2006/main" xmlns:r="http://schemas.openxmlformats.org/officeDocument/2006/relationships" xmlns:p="http://schemas.openxmlformats.org/presentationml/2006/main">
   <p:cSld>
     <p:bg>
-      <p:bgRef idx="1001">
-        <a:schemeClr val="bg1"/>
-      </p:bgRef>
+      <p:bgPr>
+        <a:solidFill>
+          <a:schemeClr val="bg1">
+            <a:lumMod val="95000"/>
+          </a:schemeClr>
+        </a:solidFill>
+        <a:effectLst/>
+      </p:bgPr>
     </p:bg>
     <p:spTree>
       <p:nvGrpSpPr>
@@ -2789,131 +2714,163 @@
       </p:grpSpPr>
       <p:sp>
         <p:nvSpPr>
-          <p:cNvPr id="2" name="Title Placeholder 1">
-            <a:extLst>
-              <a:ext uri="{FF2B5EF4-FFF2-40B4-BE49-F238E27FC236}">
-                <a16:creationId xmlns:a16="http://schemas.microsoft.com/office/drawing/2014/main" id="{EB9C8B22-F4F4-7CDD-B0DB-6A879845B926}"/>
-              </a:ext>
-            </a:extLst>
-          </p:cNvPr>
+          <p:cNvPr id="2" name="Title Placeholder 1"/>
           <p:cNvSpPr>
             <a:spLocks noGrp="1"/>
           </p:cNvSpPr>
           <p:nvPr>
             <p:ph type="title"/>
+          </p:nvPr>
+        </p:nvSpPr>
+        <p:spPr bwMode="black">
+          <a:xfrm>
+            <a:off x="2231136" y="964692"/>
+            <a:ext cx="7729728" cy="1188720"/>
+          </a:xfrm>
+          <a:prstGeom prst="rect">
+            <a:avLst/>
+          </a:prstGeom>
+          <a:solidFill>
+            <a:srgbClr val="FFFFFF"/>
+          </a:solidFill>
+          <a:ln w="31750" cap="sq">
+            <a:solidFill>
+              <a:srgbClr val="404040"/>
+            </a:solidFill>
+            <a:miter lim="800000"/>
+          </a:ln>
+        </p:spPr>
+        <p:txBody>
+          <a:bodyPr vert="horz" lIns="182880" tIns="182880" rIns="182880" bIns="182880" rtlCol="0" anchor="ctr">
+            <a:normAutofit/>
+          </a:bodyPr>
+          <a:lstStyle/>
+          <a:p>
+            <a:r>
+              <a:rPr lang="en-GB"/>
+              <a:t>Click to edit Master title style</a:t>
+            </a:r>
+            <a:endParaRPr lang="en-US" dirty="0"/>
+          </a:p>
+        </p:txBody>
+      </p:sp>
+      <p:sp>
+        <p:nvSpPr>
+          <p:cNvPr id="3" name="Text Placeholder 2"/>
+          <p:cNvSpPr>
+            <a:spLocks noGrp="1"/>
+          </p:cNvSpPr>
+          <p:nvPr>
+            <p:ph type="body" idx="1"/>
           </p:nvPr>
         </p:nvSpPr>
         <p:spPr>
           <a:xfrm>
-            <a:off x="838200" y="365125"/>
-            <a:ext cx="10515600" cy="1325563"/>
+            <a:off x="2231136" y="2638044"/>
+            <a:ext cx="7729728" cy="3101983"/>
           </a:xfrm>
           <a:prstGeom prst="rect">
             <a:avLst/>
           </a:prstGeom>
         </p:spPr>
         <p:txBody>
-          <a:bodyPr vert="horz" lIns="91440" tIns="45720" rIns="91440" bIns="45720" rtlCol="0" anchor="ctr">
+          <a:bodyPr vert="horz" lIns="91440" tIns="45720" rIns="91440" bIns="45720" rtlCol="0">
             <a:normAutofit/>
           </a:bodyPr>
           <a:lstStyle/>
           <a:p>
-            <a:r>
-              <a:rPr lang="en-GB"/>
-              <a:t>Click to edit Master title style</a:t>
-            </a:r>
-            <a:endParaRPr lang="en-US"/>
-          </a:p>
-        </p:txBody>
-      </p:sp>
-      <p:sp>
-        <p:nvSpPr>
-          <p:cNvPr id="3" name="Text Placeholder 2">
-            <a:extLst>
-              <a:ext uri="{FF2B5EF4-FFF2-40B4-BE49-F238E27FC236}">
-                <a16:creationId xmlns:a16="http://schemas.microsoft.com/office/drawing/2014/main" id="{86532151-3722-293F-7173-CC5BF9496FA5}"/>
-              </a:ext>
-            </a:extLst>
-          </p:cNvPr>
-          <p:cNvSpPr>
-            <a:spLocks noGrp="1"/>
-          </p:cNvSpPr>
-          <p:nvPr>
-            <p:ph type="body" idx="1"/>
+            <a:pPr lvl="0"/>
+            <a:r>
+              <a:rPr lang="en-GB"/>
+              <a:t>Click to edit Master text styles</a:t>
+            </a:r>
+          </a:p>
+          <a:p>
+            <a:pPr lvl="1"/>
+            <a:r>
+              <a:rPr lang="en-GB"/>
+              <a:t>Second level</a:t>
+            </a:r>
+          </a:p>
+          <a:p>
+            <a:pPr lvl="2"/>
+            <a:r>
+              <a:rPr lang="en-GB"/>
+              <a:t>Third level</a:t>
+            </a:r>
+          </a:p>
+          <a:p>
+            <a:pPr lvl="3"/>
+            <a:r>
+              <a:rPr lang="en-GB"/>
+              <a:t>Fourth level</a:t>
+            </a:r>
+          </a:p>
+          <a:p>
+            <a:pPr lvl="4"/>
+            <a:r>
+              <a:rPr lang="en-GB"/>
+              <a:t>Fifth level</a:t>
+            </a:r>
+            <a:endParaRPr lang="en-US" dirty="0"/>
+          </a:p>
+        </p:txBody>
+      </p:sp>
+      <p:sp>
+        <p:nvSpPr>
+          <p:cNvPr id="4" name="Date Placeholder 3"/>
+          <p:cNvSpPr>
+            <a:spLocks noGrp="1"/>
+          </p:cNvSpPr>
+          <p:nvPr>
+            <p:ph type="dt" sz="half" idx="2"/>
           </p:nvPr>
         </p:nvSpPr>
         <p:spPr>
           <a:xfrm>
-            <a:off x="838200" y="1825625"/>
-            <a:ext cx="10515600" cy="4351338"/>
+            <a:off x="7821429" y="6238816"/>
+            <a:ext cx="2753746" cy="323968"/>
           </a:xfrm>
           <a:prstGeom prst="rect">
             <a:avLst/>
           </a:prstGeom>
         </p:spPr>
         <p:txBody>
-          <a:bodyPr vert="horz" lIns="91440" tIns="45720" rIns="91440" bIns="45720" rtlCol="0">
-            <a:normAutofit/>
-          </a:bodyPr>
-          <a:lstStyle/>
-          <a:p>
-            <a:pPr lvl="0"/>
-            <a:r>
-              <a:rPr lang="en-GB"/>
-              <a:t>Click to edit Master text styles</a:t>
-            </a:r>
-          </a:p>
-          <a:p>
-            <a:pPr lvl="1"/>
-            <a:r>
-              <a:rPr lang="en-GB"/>
-              <a:t>Second level</a:t>
-            </a:r>
-          </a:p>
-          <a:p>
-            <a:pPr lvl="2"/>
-            <a:r>
-              <a:rPr lang="en-GB"/>
-              <a:t>Third level</a:t>
-            </a:r>
-          </a:p>
-          <a:p>
-            <a:pPr lvl="3"/>
-            <a:r>
-              <a:rPr lang="en-GB"/>
-              <a:t>Fourth level</a:t>
-            </a:r>
-          </a:p>
-          <a:p>
-            <a:pPr lvl="4"/>
-            <a:r>
-              <a:rPr lang="en-GB"/>
-              <a:t>Fifth level</a:t>
-            </a:r>
+          <a:bodyPr vert="horz" lIns="91440" tIns="45720" rIns="91440" bIns="45720" rtlCol="0" anchor="ctr"/>
+          <a:lstStyle>
+            <a:lvl1pPr algn="r">
+              <a:defRPr sz="1050">
+                <a:solidFill>
+                  <a:schemeClr val="tx1">
+                    <a:alpha val="70000"/>
+                  </a:schemeClr>
+                </a:solidFill>
+              </a:defRPr>
+            </a:lvl1pPr>
+          </a:lstStyle>
+          <a:p>
+            <a:fld id="{001F1462-80BD-EE4D-B03D-51BF6E4F8E22}" type="datetimeFigureOut">
+              <a:rPr lang="en-US" smtClean="0"/>
+              <a:t>3/25/24</a:t>
+            </a:fld>
             <a:endParaRPr lang="en-US"/>
           </a:p>
         </p:txBody>
       </p:sp>
       <p:sp>
         <p:nvSpPr>
-          <p:cNvPr id="4" name="Date Placeholder 3">
-            <a:extLst>
-              <a:ext uri="{FF2B5EF4-FFF2-40B4-BE49-F238E27FC236}">
-                <a16:creationId xmlns:a16="http://schemas.microsoft.com/office/drawing/2014/main" id="{7415B39D-94C2-2678-5396-974EFE2AB2EA}"/>
-              </a:ext>
-            </a:extLst>
-          </p:cNvPr>
-          <p:cNvSpPr>
-            <a:spLocks noGrp="1"/>
-          </p:cNvSpPr>
-          <p:nvPr>
-            <p:ph type="dt" sz="half" idx="2"/>
+          <p:cNvPr id="5" name="Footer Placeholder 4"/>
+          <p:cNvSpPr>
+            <a:spLocks noGrp="1"/>
+          </p:cNvSpPr>
+          <p:nvPr>
+            <p:ph type="ftr" sz="quarter" idx="3"/>
           </p:nvPr>
         </p:nvSpPr>
         <p:spPr>
           <a:xfrm>
-            <a:off x="838200" y="6356350"/>
-            <a:ext cx="2743200" cy="365125"/>
+            <a:off x="1600200" y="6236208"/>
+            <a:ext cx="5901189" cy="320040"/>
           </a:xfrm>
           <a:prstGeom prst="rect">
             <a:avLst/>
@@ -2923,101 +2880,53 @@
           <a:bodyPr vert="horz" lIns="91440" tIns="45720" rIns="91440" bIns="45720" rtlCol="0" anchor="ctr"/>
           <a:lstStyle>
             <a:lvl1pPr algn="l">
-              <a:defRPr sz="1200">
+              <a:defRPr sz="1050">
                 <a:solidFill>
                   <a:schemeClr val="tx1">
-                    <a:tint val="75000"/>
+                    <a:alpha val="70000"/>
                   </a:schemeClr>
                 </a:solidFill>
               </a:defRPr>
             </a:lvl1pPr>
           </a:lstStyle>
           <a:p>
-            <a:fld id="{001F1462-80BD-EE4D-B03D-51BF6E4F8E22}" type="datetimeFigureOut">
-              <a:rPr lang="en-US" smtClean="0"/>
-              <a:t>3/25/24</a:t>
-            </a:fld>
             <a:endParaRPr lang="en-US"/>
           </a:p>
         </p:txBody>
       </p:sp>
       <p:sp>
         <p:nvSpPr>
-          <p:cNvPr id="5" name="Footer Placeholder 4">
-            <a:extLst>
-              <a:ext uri="{FF2B5EF4-FFF2-40B4-BE49-F238E27FC236}">
-                <a16:creationId xmlns:a16="http://schemas.microsoft.com/office/drawing/2014/main" id="{5C0BB7AE-DF99-1521-053F-B230FD973402}"/>
-              </a:ext>
-            </a:extLst>
-          </p:cNvPr>
-          <p:cNvSpPr>
-            <a:spLocks noGrp="1"/>
-          </p:cNvSpPr>
-          <p:nvPr>
-            <p:ph type="ftr" sz="quarter" idx="3"/>
+          <p:cNvPr id="6" name="Slide Number Placeholder 5"/>
+          <p:cNvSpPr>
+            <a:spLocks noGrp="1"/>
+          </p:cNvSpPr>
+          <p:nvPr>
+            <p:ph type="sldNum" sz="quarter" idx="4"/>
           </p:nvPr>
         </p:nvSpPr>
         <p:spPr>
           <a:xfrm>
-            <a:off x="4038600" y="6356350"/>
-            <a:ext cx="4114800" cy="365125"/>
+            <a:off x="10758922" y="6217920"/>
+            <a:ext cx="365760" cy="365760"/>
           </a:xfrm>
-          <a:prstGeom prst="rect">
+          <a:prstGeom prst="ellipse">
             <a:avLst/>
           </a:prstGeom>
+          <a:solidFill>
+            <a:srgbClr val="1D1D1D">
+              <a:alpha val="70000"/>
+            </a:srgbClr>
+          </a:solidFill>
         </p:spPr>
         <p:txBody>
-          <a:bodyPr vert="horz" lIns="91440" tIns="45720" rIns="91440" bIns="45720" rtlCol="0" anchor="ctr"/>
+          <a:bodyPr vert="horz" lIns="18288" tIns="45720" rIns="18288" bIns="45720" rtlCol="0" anchor="ctr">
+            <a:noAutofit/>
+          </a:bodyPr>
           <a:lstStyle>
             <a:lvl1pPr algn="ctr">
-              <a:defRPr sz="1200">
+              <a:defRPr sz="1100" spc="0" baseline="0">
                 <a:solidFill>
-                  <a:schemeClr val="tx1">
-                    <a:tint val="75000"/>
-                  </a:schemeClr>
-                </a:solidFill>
-              </a:defRPr>
-            </a:lvl1pPr>
-          </a:lstStyle>
-          <a:p>
-            <a:endParaRPr lang="en-US"/>
-          </a:p>
-        </p:txBody>
-      </p:sp>
-      <p:sp>
-        <p:nvSpPr>
-          <p:cNvPr id="6" name="Slide Number Placeholder 5">
-            <a:extLst>
-              <a:ext uri="{FF2B5EF4-FFF2-40B4-BE49-F238E27FC236}">
-                <a16:creationId xmlns:a16="http://schemas.microsoft.com/office/drawing/2014/main" id="{8A6895B0-5441-E262-CD8A-6C19EF48D77D}"/>
-              </a:ext>
-            </a:extLst>
-          </p:cNvPr>
-          <p:cNvSpPr>
-            <a:spLocks noGrp="1"/>
-          </p:cNvSpPr>
-          <p:nvPr>
-            <p:ph type="sldNum" sz="quarter" idx="4"/>
-          </p:nvPr>
-        </p:nvSpPr>
-        <p:spPr>
-          <a:xfrm>
-            <a:off x="8610600" y="6356350"/>
-            <a:ext cx="2743200" cy="365125"/>
-          </a:xfrm>
-          <a:prstGeom prst="rect">
-            <a:avLst/>
-          </a:prstGeom>
-        </p:spPr>
-        <p:txBody>
-          <a:bodyPr vert="horz" lIns="91440" tIns="45720" rIns="91440" bIns="45720" rtlCol="0" anchor="ctr"/>
-          <a:lstStyle>
-            <a:lvl1pPr algn="r">
-              <a:defRPr sz="1200">
-                <a:solidFill>
-                  <a:schemeClr val="tx1">
-                    <a:tint val="75000"/>
-                  </a:schemeClr>
+                  <a:srgbClr val="FFFFFF"/>
                 </a:solidFill>
               </a:defRPr>
             </a:lvl1pPr>
@@ -3034,27 +2943,27 @@
     </p:spTree>
     <p:extLst>
       <p:ext uri="{BB962C8B-B14F-4D97-AF65-F5344CB8AC3E}">
-        <p14:creationId xmlns:p14="http://schemas.microsoft.com/office/powerpoint/2010/main" val="1762957774"/>
+        <p14:creationId xmlns:p14="http://schemas.microsoft.com/office/powerpoint/2010/main" val="1702232096"/>
       </p:ext>
     </p:extLst>
   </p:cSld>
   <p:clrMap bg1="lt1" tx1="dk1" bg2="lt2" tx2="dk2" accent1="accent1" accent2="accent2" accent3="accent3" accent4="accent4" accent5="accent5" accent6="accent6" hlink="hlink" folHlink="folHlink"/>
   <p:sldLayoutIdLst>
-    <p:sldLayoutId id="2147483649" r:id="rId1"/>
-    <p:sldLayoutId id="2147483650" r:id="rId2"/>
-    <p:sldLayoutId id="2147483651" r:id="rId3"/>
-    <p:sldLayoutId id="2147483652" r:id="rId4"/>
-    <p:sldLayoutId id="2147483653" r:id="rId5"/>
-    <p:sldLayoutId id="2147483654" r:id="rId6"/>
-    <p:sldLayoutId id="2147483655" r:id="rId7"/>
-    <p:sldLayoutId id="2147483656" r:id="rId8"/>
-    <p:sldLayoutId id="2147483657" r:id="rId9"/>
-    <p:sldLayoutId id="2147483658" r:id="rId10"/>
-    <p:sldLayoutId id="2147483659" r:id="rId11"/>
+    <p:sldLayoutId id="2147483661" r:id="rId1"/>
+    <p:sldLayoutId id="2147483662" r:id="rId2"/>
+    <p:sldLayoutId id="2147483663" r:id="rId3"/>
+    <p:sldLayoutId id="2147483664" r:id="rId4"/>
+    <p:sldLayoutId id="2147483665" r:id="rId5"/>
+    <p:sldLayoutId id="2147483666" r:id="rId6"/>
+    <p:sldLayoutId id="2147483667" r:id="rId7"/>
+    <p:sldLayoutId id="2147483668" r:id="rId8"/>
+    <p:sldLayoutId id="2147483669" r:id="rId9"/>
+    <p:sldLayoutId id="2147483670" r:id="rId10"/>
+    <p:sldLayoutId id="2147483671" r:id="rId11"/>
   </p:sldLayoutIdLst>
   <p:txStyles>
     <p:titleStyle>
-      <a:lvl1pPr algn="l" defTabSz="914400" rtl="0" eaLnBrk="1" latinLnBrk="0" hangingPunct="1">
+      <a:lvl1pPr algn="ctr" defTabSz="914400" rtl="0" eaLnBrk="1" latinLnBrk="0" hangingPunct="1">
         <a:lnSpc>
           <a:spcPct val="90000"/>
         </a:lnSpc>
@@ -3062,9 +2971,9 @@
           <a:spcPct val="0"/>
         </a:spcBef>
         <a:buNone/>
-        <a:defRPr sz="4400" kern="1200">
+        <a:defRPr sz="2800" kern="1200" cap="all" spc="200" baseline="0">
           <a:solidFill>
-            <a:schemeClr val="tx1"/>
+            <a:srgbClr val="262626"/>
           </a:solidFill>
           <a:latin typeface="+mj-lt"/>
           <a:ea typeface="+mj-ea"/>
@@ -3075,104 +2984,137 @@
     <p:bodyStyle>
       <a:lvl1pPr marL="228600" indent="-228600" algn="l" defTabSz="914400" rtl="0" eaLnBrk="1" latinLnBrk="0" hangingPunct="1">
         <a:lnSpc>
-          <a:spcPct val="90000"/>
+          <a:spcPct val="100000"/>
         </a:lnSpc>
         <a:spcBef>
           <a:spcPts val="1000"/>
         </a:spcBef>
+        <a:buClr>
+          <a:schemeClr val="accent2"/>
+        </a:buClr>
         <a:buFont typeface="Arial" panose="020B0604020202020204" pitchFamily="34" charset="0"/>
         <a:buChar char="•"/>
-        <a:defRPr sz="2800" kern="1200">
+        <a:defRPr sz="1800" kern="1200">
           <a:solidFill>
-            <a:schemeClr val="tx1"/>
+            <a:schemeClr val="tx1">
+              <a:lumMod val="85000"/>
+              <a:lumOff val="15000"/>
+            </a:schemeClr>
           </a:solidFill>
           <a:latin typeface="+mn-lt"/>
           <a:ea typeface="+mn-ea"/>
           <a:cs typeface="+mn-cs"/>
         </a:defRPr>
       </a:lvl1pPr>
-      <a:lvl2pPr marL="685800" indent="-228600" algn="l" defTabSz="914400" rtl="0" eaLnBrk="1" latinLnBrk="0" hangingPunct="1">
+      <a:lvl2pPr marL="457200" indent="-228600" algn="l" defTabSz="914400" rtl="0" eaLnBrk="1" latinLnBrk="0" hangingPunct="1">
         <a:lnSpc>
-          <a:spcPct val="90000"/>
+          <a:spcPct val="100000"/>
         </a:lnSpc>
         <a:spcBef>
-          <a:spcPts val="500"/>
+          <a:spcPts val="1000"/>
         </a:spcBef>
+        <a:buClr>
+          <a:schemeClr val="accent2"/>
+        </a:buClr>
         <a:buFont typeface="Arial" panose="020B0604020202020204" pitchFamily="34" charset="0"/>
         <a:buChar char="•"/>
-        <a:defRPr sz="2400" kern="1200">
+        <a:defRPr sz="1600" kern="1200">
           <a:solidFill>
-            <a:schemeClr val="tx1"/>
+            <a:schemeClr val="tx1">
+              <a:lumMod val="85000"/>
+              <a:lumOff val="15000"/>
+            </a:schemeClr>
           </a:solidFill>
           <a:latin typeface="+mn-lt"/>
           <a:ea typeface="+mn-ea"/>
           <a:cs typeface="+mn-cs"/>
         </a:defRPr>
       </a:lvl2pPr>
-      <a:lvl3pPr marL="1143000" indent="-228600" algn="l" defTabSz="914400" rtl="0" eaLnBrk="1" latinLnBrk="0" hangingPunct="1">
+      <a:lvl3pPr marL="685800" indent="-228600" algn="l" defTabSz="914400" rtl="0" eaLnBrk="1" latinLnBrk="0" hangingPunct="1">
         <a:lnSpc>
-          <a:spcPct val="90000"/>
+          <a:spcPct val="100000"/>
         </a:lnSpc>
         <a:spcBef>
-          <a:spcPts val="500"/>
+          <a:spcPts val="1000"/>
         </a:spcBef>
+        <a:buClr>
+          <a:schemeClr val="accent2"/>
+        </a:buClr>
         <a:buFont typeface="Arial" panose="020B0604020202020204" pitchFamily="34" charset="0"/>
         <a:buChar char="•"/>
-        <a:defRPr sz="2000" kern="1200">
+        <a:defRPr sz="1600" kern="1200">
           <a:solidFill>
-            <a:schemeClr val="tx1"/>
+            <a:schemeClr val="tx1">
+              <a:lumMod val="85000"/>
+              <a:lumOff val="15000"/>
+            </a:schemeClr>
           </a:solidFill>
           <a:latin typeface="+mn-lt"/>
           <a:ea typeface="+mn-ea"/>
           <a:cs typeface="+mn-cs"/>
         </a:defRPr>
       </a:lvl3pPr>
-      <a:lvl4pPr marL="1600200" indent="-228600" algn="l" defTabSz="914400" rtl="0" eaLnBrk="1" latinLnBrk="0" hangingPunct="1">
+      <a:lvl4pPr marL="914400" indent="-228600" algn="l" defTabSz="914400" rtl="0" eaLnBrk="1" latinLnBrk="0" hangingPunct="1">
         <a:lnSpc>
-          <a:spcPct val="90000"/>
+          <a:spcPct val="100000"/>
         </a:lnSpc>
         <a:spcBef>
-          <a:spcPts val="500"/>
+          <a:spcPts val="1000"/>
         </a:spcBef>
+        <a:buClr>
+          <a:schemeClr val="accent2"/>
+        </a:buClr>
         <a:buFont typeface="Arial" panose="020B0604020202020204" pitchFamily="34" charset="0"/>
         <a:buChar char="•"/>
-        <a:defRPr sz="1800" kern="1200">
+        <a:defRPr sz="1600" kern="1200">
           <a:solidFill>
-            <a:schemeClr val="tx1"/>
+            <a:schemeClr val="tx1">
+              <a:lumMod val="85000"/>
+              <a:lumOff val="15000"/>
+            </a:schemeClr>
           </a:solidFill>
           <a:latin typeface="+mn-lt"/>
           <a:ea typeface="+mn-ea"/>
           <a:cs typeface="+mn-cs"/>
         </a:defRPr>
       </a:lvl4pPr>
-      <a:lvl5pPr marL="2057400" indent="-228600" algn="l" defTabSz="914400" rtl="0" eaLnBrk="1" latinLnBrk="0" hangingPunct="1">
+      <a:lvl5pPr marL="1143000" indent="-228600" algn="l" defTabSz="914400" rtl="0" eaLnBrk="1" latinLnBrk="0" hangingPunct="1">
         <a:lnSpc>
-          <a:spcPct val="90000"/>
+          <a:spcPct val="100000"/>
         </a:lnSpc>
         <a:spcBef>
-          <a:spcPts val="500"/>
+          <a:spcPts val="1000"/>
         </a:spcBef>
+        <a:buClr>
+          <a:schemeClr val="accent2"/>
+        </a:buClr>
         <a:buFont typeface="Arial" panose="020B0604020202020204" pitchFamily="34" charset="0"/>
         <a:buChar char="•"/>
-        <a:defRPr sz="1800" kern="1200">
+        <a:defRPr sz="1600" kern="1200">
           <a:solidFill>
-            <a:schemeClr val="tx1"/>
+            <a:schemeClr val="tx1">
+              <a:lumMod val="85000"/>
+              <a:lumOff val="15000"/>
+            </a:schemeClr>
           </a:solidFill>
           <a:latin typeface="+mn-lt"/>
           <a:ea typeface="+mn-ea"/>
           <a:cs typeface="+mn-cs"/>
         </a:defRPr>
       </a:lvl5pPr>
-      <a:lvl6pPr marL="2514600" indent="-228600" algn="l" defTabSz="914400" rtl="0" eaLnBrk="1" latinLnBrk="0" hangingPunct="1">
+      <a:lvl6pPr marL="1312863" indent="-228600" algn="l" defTabSz="914400" rtl="0" eaLnBrk="1" latinLnBrk="0" hangingPunct="1">
         <a:lnSpc>
-          <a:spcPct val="90000"/>
+          <a:spcPct val="100000"/>
         </a:lnSpc>
         <a:spcBef>
-          <a:spcPts val="500"/>
+          <a:spcPts val="1000"/>
         </a:spcBef>
+        <a:buClr>
+          <a:schemeClr val="accent2"/>
+        </a:buClr>
         <a:buFont typeface="Arial" panose="020B0604020202020204" pitchFamily="34" charset="0"/>
         <a:buChar char="•"/>
-        <a:defRPr sz="1800" kern="1200">
+        <a:defRPr sz="1600" kern="1200">
           <a:solidFill>
             <a:schemeClr val="tx1"/>
           </a:solidFill>
@@ -3181,16 +3123,19 @@
           <a:cs typeface="+mn-cs"/>
         </a:defRPr>
       </a:lvl6pPr>
-      <a:lvl7pPr marL="2971800" indent="-228600" algn="l" defTabSz="914400" rtl="0" eaLnBrk="1" latinLnBrk="0" hangingPunct="1">
+      <a:lvl7pPr marL="1484313" indent="-228600" algn="l" defTabSz="914400" rtl="0" eaLnBrk="1" latinLnBrk="0" hangingPunct="1">
         <a:lnSpc>
-          <a:spcPct val="90000"/>
+          <a:spcPct val="100000"/>
         </a:lnSpc>
         <a:spcBef>
-          <a:spcPts val="500"/>
+          <a:spcPts val="1000"/>
         </a:spcBef>
+        <a:buClr>
+          <a:schemeClr val="accent2"/>
+        </a:buClr>
         <a:buFont typeface="Arial" panose="020B0604020202020204" pitchFamily="34" charset="0"/>
         <a:buChar char="•"/>
-        <a:defRPr sz="1800" kern="1200">
+        <a:defRPr sz="1600" kern="1200">
           <a:solidFill>
             <a:schemeClr val="tx1"/>
           </a:solidFill>
@@ -3199,16 +3144,19 @@
           <a:cs typeface="+mn-cs"/>
         </a:defRPr>
       </a:lvl7pPr>
-      <a:lvl8pPr marL="3429000" indent="-228600" algn="l" defTabSz="914400" rtl="0" eaLnBrk="1" latinLnBrk="0" hangingPunct="1">
+      <a:lvl8pPr marL="1657350" indent="-228600" algn="l" defTabSz="914400" rtl="0" eaLnBrk="1" latinLnBrk="0" hangingPunct="1">
         <a:lnSpc>
-          <a:spcPct val="90000"/>
+          <a:spcPct val="100000"/>
         </a:lnSpc>
         <a:spcBef>
-          <a:spcPts val="500"/>
+          <a:spcPts val="1000"/>
         </a:spcBef>
+        <a:buClr>
+          <a:schemeClr val="accent2"/>
+        </a:buClr>
         <a:buFont typeface="Arial" panose="020B0604020202020204" pitchFamily="34" charset="0"/>
         <a:buChar char="•"/>
-        <a:defRPr sz="1800" kern="1200">
+        <a:defRPr sz="1600" kern="1200" baseline="0">
           <a:solidFill>
             <a:schemeClr val="tx1"/>
           </a:solidFill>
@@ -3217,16 +3165,19 @@
           <a:cs typeface="+mn-cs"/>
         </a:defRPr>
       </a:lvl8pPr>
-      <a:lvl9pPr marL="3886200" indent="-228600" algn="l" defTabSz="914400" rtl="0" eaLnBrk="1" latinLnBrk="0" hangingPunct="1">
+      <a:lvl9pPr marL="1882775" indent="-228600" algn="l" defTabSz="914400" rtl="0" eaLnBrk="1" latinLnBrk="0" hangingPunct="1">
         <a:lnSpc>
-          <a:spcPct val="90000"/>
+          <a:spcPct val="100000"/>
         </a:lnSpc>
         <a:spcBef>
-          <a:spcPts val="500"/>
+          <a:spcPts val="1000"/>
         </a:spcBef>
+        <a:buClr>
+          <a:schemeClr val="accent2"/>
+        </a:buClr>
         <a:buFont typeface="Arial" panose="020B0604020202020204" pitchFamily="34" charset="0"/>
         <a:buChar char="•"/>
-        <a:defRPr sz="1800" kern="1200">
+        <a:defRPr sz="1600" kern="1200" baseline="0">
           <a:solidFill>
             <a:schemeClr val="tx1"/>
           </a:solidFill>
@@ -3402,7 +3353,9 @@
         </p:nvSpPr>
         <p:spPr/>
         <p:txBody>
-          <a:bodyPr/>
+          <a:bodyPr>
+            <a:normAutofit fontScale="77500" lnSpcReduction="20000"/>
+          </a:bodyPr>
           <a:lstStyle/>
           <a:p>
             <a:r>
@@ -3553,12 +3506,24 @@
               <a:buNone/>
             </a:pPr>
             <a:r>
+              <a:rPr lang="en-US" dirty="0">
+                <a:hlinkClick r:id="rId2"/>
+              </a:rPr>
+              <a:t>https://crewai.com/</a:t>
+            </a:r>
+            <a:endParaRPr lang="en-US" dirty="0"/>
+          </a:p>
+          <a:p>
+            <a:pPr marL="0" indent="0">
+              <a:buNone/>
+            </a:pPr>
+            <a:r>
               <a:rPr lang="en-US" dirty="0"/>
               <a:t>https://</a:t>
             </a:r>
             <a:r>
               <a:rPr lang="en-US" dirty="0" err="1"/>
-              <a:t>crewai.com</a:t>
+              <a:t>docs.crewai.com</a:t>
             </a:r>
             <a:r>
               <a:rPr lang="en-US" dirty="0"/>
@@ -3649,7 +3614,7 @@
         </p:blipFill>
         <p:spPr>
           <a:xfrm>
-            <a:off x="4616450" y="2521744"/>
+            <a:off x="4616450" y="2709862"/>
             <a:ext cx="2959100" cy="2959100"/>
           </a:xfrm>
         </p:spPr>
@@ -3847,8 +3812,8 @@
         </p:blipFill>
         <p:spPr>
           <a:xfrm>
-            <a:off x="4827850" y="1825625"/>
-            <a:ext cx="2536299" cy="4351338"/>
+            <a:off x="5191964" y="2638425"/>
+            <a:ext cx="1808072" cy="3101975"/>
           </a:xfrm>
         </p:spPr>
       </p:pic>
@@ -3969,108 +3934,58 @@
 </file>
 
 <file path=ppt/theme/theme1.xml><?xml version="1.0" encoding="utf-8"?>
-<a:theme xmlns:a="http://schemas.openxmlformats.org/drawingml/2006/main" name="Office Theme">
+<a:theme xmlns:a="http://schemas.openxmlformats.org/drawingml/2006/main" name="Parcel">
   <a:themeElements>
-    <a:clrScheme name="Office">
+    <a:clrScheme name="Parcel">
       <a:dk1>
-        <a:sysClr val="windowText" lastClr="000000"/>
+        <a:srgbClr val="000000"/>
       </a:dk1>
       <a:lt1>
-        <a:sysClr val="window" lastClr="FFFFFF"/>
+        <a:srgbClr val="FFFFFF"/>
       </a:lt1>
       <a:dk2>
-        <a:srgbClr val="44546A"/>
+        <a:srgbClr val="4A5356"/>
       </a:dk2>
       <a:lt2>
-        <a:srgbClr val="E7E6E6"/>
+        <a:srgbClr val="E8E3CE"/>
       </a:lt2>
       <a:accent1>
-        <a:srgbClr val="4472C4"/>
+        <a:srgbClr val="F6A21D"/>
       </a:accent1>
       <a:accent2>
-        <a:srgbClr val="ED7D31"/>
+        <a:srgbClr val="9BAFB5"/>
       </a:accent2>
       <a:accent3>
-        <a:srgbClr val="A5A5A5"/>
+        <a:srgbClr val="C96731"/>
       </a:accent3>
       <a:accent4>
-        <a:srgbClr val="FFC000"/>
+        <a:srgbClr val="9CA383"/>
       </a:accent4>
       <a:accent5>
-        <a:srgbClr val="5B9BD5"/>
+        <a:srgbClr val="87795D"/>
       </a:accent5>
       <a:accent6>
-        <a:srgbClr val="70AD47"/>
+        <a:srgbClr val="A0988C"/>
       </a:accent6>
       <a:hlink>
-        <a:srgbClr val="0563C1"/>
+        <a:srgbClr val="00B0F0"/>
       </a:hlink>
       <a:folHlink>
-        <a:srgbClr val="954F72"/>
+        <a:srgbClr val="738F97"/>
       </a:folHlink>
     </a:clrScheme>
-    <a:fontScheme name="Office">
+    <a:fontScheme name="Parcel">
       <a:majorFont>
-        <a:latin typeface="Calibri Light" panose="020F0302020204030204"/>
+        <a:latin typeface="Gill Sans MT" panose="020B0502020104020203"/>
         <a:ea typeface=""/>
         <a:cs typeface=""/>
-        <a:font script="Jpan" typeface="游ゴシック Light"/>
-        <a:font script="Hang" typeface="맑은 고딕"/>
-        <a:font script="Hans" typeface="等线 Light"/>
-        <a:font script="Hant" typeface="新細明體"/>
-        <a:font script="Arab" typeface="Times New Roman"/>
-        <a:font script="Hebr" typeface="Times New Roman"/>
-        <a:font script="Thai" typeface="Angsana New"/>
-        <a:font script="Ethi" typeface="Nyala"/>
-        <a:font script="Beng" typeface="Vrinda"/>
-        <a:font script="Gujr" typeface="Shruti"/>
-        <a:font script="Khmr" typeface="MoolBoran"/>
-        <a:font script="Knda" typeface="Tunga"/>
-        <a:font script="Guru" typeface="Raavi"/>
-        <a:font script="Cans" typeface="Euphemia"/>
-        <a:font script="Cher" typeface="Plantagenet Cherokee"/>
-        <a:font script="Yiii" typeface="Microsoft Yi Baiti"/>
-        <a:font script="Tibt" typeface="Microsoft Himalaya"/>
-        <a:font script="Thaa" typeface="MV Boli"/>
-        <a:font script="Deva" typeface="Mangal"/>
-        <a:font script="Telu" typeface="Gautami"/>
-        <a:font script="Taml" typeface="Latha"/>
-        <a:font script="Syrc" typeface="Estrangelo Edessa"/>
-        <a:font script="Orya" typeface="Kalinga"/>
-        <a:font script="Mlym" typeface="Kartika"/>
-        <a:font script="Laoo" typeface="DokChampa"/>
-        <a:font script="Sinh" typeface="Iskoola Pota"/>
-        <a:font script="Mong" typeface="Mongolian Baiti"/>
-        <a:font script="Viet" typeface="Times New Roman"/>
-        <a:font script="Uigh" typeface="Microsoft Uighur"/>
-        <a:font script="Geor" typeface="Sylfaen"/>
-        <a:font script="Armn" typeface="Arial"/>
-        <a:font script="Bugi" typeface="Leelawadee UI"/>
-        <a:font script="Bopo" typeface="Microsoft JhengHei"/>
-        <a:font script="Java" typeface="Javanese Text"/>
-        <a:font script="Lisu" typeface="Segoe UI"/>
-        <a:font script="Mymr" typeface="Myanmar Text"/>
-        <a:font script="Nkoo" typeface="Ebrima"/>
-        <a:font script="Olck" typeface="Nirmala UI"/>
-        <a:font script="Osma" typeface="Ebrima"/>
-        <a:font script="Phag" typeface="Phagspa"/>
-        <a:font script="Syrn" typeface="Estrangelo Edessa"/>
-        <a:font script="Syrj" typeface="Estrangelo Edessa"/>
-        <a:font script="Syre" typeface="Estrangelo Edessa"/>
-        <a:font script="Sora" typeface="Nirmala UI"/>
-        <a:font script="Tale" typeface="Microsoft Tai Le"/>
-        <a:font script="Talu" typeface="Microsoft New Tai Lue"/>
-        <a:font script="Tfng" typeface="Ebrima"/>
-      </a:majorFont>
-      <a:minorFont>
-        <a:latin typeface="Calibri" panose="020F0502020204030204"/>
-        <a:ea typeface=""/>
-        <a:cs typeface=""/>
-        <a:font script="Jpan" typeface="游ゴシック"/>
-        <a:font script="Hang" typeface="맑은 고딕"/>
-        <a:font script="Hans" typeface="等线"/>
-        <a:font script="Hant" typeface="新細明體"/>
-        <a:font script="Arab" typeface="Arial"/>
+        <a:font script="Grek" typeface="Corbel"/>
+        <a:font script="Cyrl" typeface="Corbel"/>
+        <a:font script="Jpan" typeface="HGｺﾞｼｯｸE"/>
+        <a:font script="Hang" typeface="휴먼매직체"/>
+        <a:font script="Hans" typeface="华文中宋"/>
+        <a:font script="Hant" typeface="微軟正黑體"/>
+        <a:font script="Arab" typeface="Majalla UI"/>
         <a:font script="Hebr" typeface="Arial"/>
         <a:font script="Thai" typeface="Cordia New"/>
         <a:font script="Ethi" typeface="Nyala"/>
@@ -4093,29 +4008,49 @@
         <a:font script="Laoo" typeface="DokChampa"/>
         <a:font script="Sinh" typeface="Iskoola Pota"/>
         <a:font script="Mong" typeface="Mongolian Baiti"/>
-        <a:font script="Viet" typeface="Arial"/>
+        <a:font script="Viet" typeface="Tahoma"/>
         <a:font script="Uigh" typeface="Microsoft Uighur"/>
         <a:font script="Geor" typeface="Sylfaen"/>
-        <a:font script="Armn" typeface="Arial"/>
-        <a:font script="Bugi" typeface="Leelawadee UI"/>
-        <a:font script="Bopo" typeface="Microsoft JhengHei"/>
-        <a:font script="Java" typeface="Javanese Text"/>
-        <a:font script="Lisu" typeface="Segoe UI"/>
-        <a:font script="Mymr" typeface="Myanmar Text"/>
-        <a:font script="Nkoo" typeface="Ebrima"/>
-        <a:font script="Olck" typeface="Nirmala UI"/>
-        <a:font script="Osma" typeface="Ebrima"/>
-        <a:font script="Phag" typeface="Phagspa"/>
-        <a:font script="Syrn" typeface="Estrangelo Edessa"/>
-        <a:font script="Syrj" typeface="Estrangelo Edessa"/>
-        <a:font script="Syre" typeface="Estrangelo Edessa"/>
-        <a:font script="Sora" typeface="Nirmala UI"/>
-        <a:font script="Tale" typeface="Microsoft Tai Le"/>
-        <a:font script="Talu" typeface="Microsoft New Tai Lue"/>
-        <a:font script="Tfng" typeface="Ebrima"/>
+      </a:majorFont>
+      <a:minorFont>
+        <a:latin typeface="Gill Sans MT" panose="020B0502020104020203"/>
+        <a:ea typeface=""/>
+        <a:cs typeface=""/>
+        <a:font script="Grek" typeface="Corbel"/>
+        <a:font script="Cyrl" typeface="Corbel"/>
+        <a:font script="Jpan" typeface="HGｺﾞｼｯｸE"/>
+        <a:font script="Hang" typeface="휴먼매직체"/>
+        <a:font script="Hans" typeface="华文中宋"/>
+        <a:font script="Hant" typeface="微軟正黑體"/>
+        <a:font script="Arab" typeface="Majalla UI"/>
+        <a:font script="Hebr" typeface="Arial"/>
+        <a:font script="Thai" typeface="Cordia New"/>
+        <a:font script="Ethi" typeface="Nyala"/>
+        <a:font script="Beng" typeface="Vrinda"/>
+        <a:font script="Gujr" typeface="Shruti"/>
+        <a:font script="Khmr" typeface="DaunPenh"/>
+        <a:font script="Knda" typeface="Tunga"/>
+        <a:font script="Guru" typeface="Raavi"/>
+        <a:font script="Cans" typeface="Euphemia"/>
+        <a:font script="Cher" typeface="Plantagenet Cherokee"/>
+        <a:font script="Yiii" typeface="Microsoft Yi Baiti"/>
+        <a:font script="Tibt" typeface="Microsoft Himalaya"/>
+        <a:font script="Thaa" typeface="MV Boli"/>
+        <a:font script="Deva" typeface="Mangal"/>
+        <a:font script="Telu" typeface="Gautami"/>
+        <a:font script="Taml" typeface="Latha"/>
+        <a:font script="Syrc" typeface="Estrangelo Edessa"/>
+        <a:font script="Orya" typeface="Kalinga"/>
+        <a:font script="Mlym" typeface="Kartika"/>
+        <a:font script="Laoo" typeface="DokChampa"/>
+        <a:font script="Sinh" typeface="Iskoola Pota"/>
+        <a:font script="Mong" typeface="Mongolian Baiti"/>
+        <a:font script="Viet" typeface="Tahoma"/>
+        <a:font script="Uigh" typeface="Microsoft Uighur"/>
+        <a:font script="Geor" typeface="Sylfaen"/>
       </a:minorFont>
     </a:fontScheme>
-    <a:fmtScheme name="Office">
+    <a:fmtScheme name="Parcel">
       <a:fillStyleLst>
         <a:solidFill>
           <a:schemeClr val="phClr"/>
@@ -4124,23 +4059,16 @@
           <a:gsLst>
             <a:gs pos="0">
               <a:schemeClr val="phClr">
-                <a:lumMod val="110000"/>
-                <a:satMod val="105000"/>
-                <a:tint val="67000"/>
-              </a:schemeClr>
-            </a:gs>
-            <a:gs pos="50000">
-              <a:schemeClr val="phClr">
-                <a:lumMod val="105000"/>
-                <a:satMod val="103000"/>
-                <a:tint val="73000"/>
+                <a:tint val="80000"/>
+                <a:satMod val="107000"/>
+                <a:lumMod val="103000"/>
               </a:schemeClr>
             </a:gs>
             <a:gs pos="100000">
               <a:schemeClr val="phClr">
-                <a:lumMod val="105000"/>
+                <a:tint val="82000"/>
                 <a:satMod val="109000"/>
-                <a:tint val="81000"/>
+                <a:lumMod val="103000"/>
               </a:schemeClr>
             </a:gs>
           </a:gsLst>
@@ -4150,23 +4078,23 @@
           <a:gsLst>
             <a:gs pos="0">
               <a:schemeClr val="phClr">
-                <a:satMod val="103000"/>
+                <a:tint val="97000"/>
+                <a:satMod val="100000"/>
                 <a:lumMod val="102000"/>
-                <a:tint val="94000"/>
               </a:schemeClr>
             </a:gs>
             <a:gs pos="50000">
               <a:schemeClr val="phClr">
-                <a:satMod val="110000"/>
+                <a:shade val="100000"/>
+                <a:satMod val="103000"/>
                 <a:lumMod val="100000"/>
-                <a:shade val="100000"/>
               </a:schemeClr>
             </a:gs>
             <a:gs pos="100000">
               <a:schemeClr val="phClr">
+                <a:shade val="93000"/>
+                <a:satMod val="110000"/>
                 <a:lumMod val="99000"/>
-                <a:satMod val="120000"/>
-                <a:shade val="78000"/>
               </a:schemeClr>
             </a:gs>
           </a:gsLst>
@@ -4179,21 +4107,18 @@
             <a:schemeClr val="phClr"/>
           </a:solidFill>
           <a:prstDash val="solid"/>
-          <a:miter lim="800000"/>
         </a:ln>
         <a:ln w="12700" cap="flat" cmpd="sng" algn="ctr">
           <a:solidFill>
             <a:schemeClr val="phClr"/>
           </a:solidFill>
           <a:prstDash val="solid"/>
-          <a:miter lim="800000"/>
         </a:ln>
-        <a:ln w="19050" cap="flat" cmpd="sng" algn="ctr">
+        <a:ln w="31750" cap="flat" cmpd="sng" algn="ctr">
           <a:solidFill>
             <a:schemeClr val="phClr"/>
           </a:solidFill>
           <a:prstDash val="solid"/>
-          <a:miter lim="800000"/>
         </a:ln>
       </a:lnStyleLst>
       <a:effectStyleLst>
@@ -4205,12 +4130,21 @@
         </a:effectStyle>
         <a:effectStyle>
           <a:effectLst>
-            <a:outerShdw blurRad="57150" dist="19050" dir="5400000" algn="ctr" rotWithShape="0">
+            <a:outerShdw blurRad="55880" dist="15240" dir="5400000" algn="ctr" rotWithShape="0">
               <a:srgbClr val="000000">
-                <a:alpha val="63000"/>
+                <a:alpha val="45000"/>
               </a:srgbClr>
             </a:outerShdw>
           </a:effectLst>
+          <a:scene3d>
+            <a:camera prst="orthographicFront">
+              <a:rot lat="0" lon="0" rev="0"/>
+            </a:camera>
+            <a:lightRig rig="brightRoom" dir="tl"/>
+          </a:scene3d>
+          <a:sp3d prstMaterial="dkEdge">
+            <a:bevelT w="0" h="0"/>
+          </a:sp3d>
         </a:effectStyle>
       </a:effectStyleLst>
       <a:bgFillStyleLst>
@@ -4227,28 +4161,24 @@
           <a:gsLst>
             <a:gs pos="0">
               <a:schemeClr val="phClr">
-                <a:tint val="93000"/>
-                <a:satMod val="150000"/>
-                <a:shade val="98000"/>
-                <a:lumMod val="102000"/>
-              </a:schemeClr>
-            </a:gs>
-            <a:gs pos="50000">
-              <a:schemeClr val="phClr">
-                <a:tint val="98000"/>
-                <a:satMod val="130000"/>
-                <a:shade val="90000"/>
-                <a:lumMod val="103000"/>
+                <a:tint val="97000"/>
+                <a:shade val="100000"/>
+                <a:satMod val="185000"/>
+                <a:lumMod val="120000"/>
               </a:schemeClr>
             </a:gs>
             <a:gs pos="100000">
               <a:schemeClr val="phClr">
-                <a:shade val="63000"/>
-                <a:satMod val="120000"/>
+                <a:tint val="96000"/>
+                <a:shade val="95000"/>
+                <a:satMod val="215000"/>
+                <a:lumMod val="80000"/>
               </a:schemeClr>
             </a:gs>
           </a:gsLst>
-          <a:lin ang="5400000" scaled="0"/>
+          <a:path path="circle">
+            <a:fillToRect l="50000" t="55000" r="125000" b="100000"/>
+          </a:path>
         </a:gradFill>
       </a:bgFillStyleLst>
     </a:fmtScheme>
@@ -4257,7 +4187,7 @@
   <a:extraClrSchemeLst/>
   <a:extLst>
     <a:ext uri="{05A4C25C-085E-4340-85A3-A5531E510DB2}">
-      <thm15:themeFamily xmlns:thm15="http://schemas.microsoft.com/office/thememl/2012/main" name="Office Theme" id="{62F939B6-93AF-4DB8-9C6B-D6C7DFDC589F}" vid="{4A3C46E8-61CC-4603-A589-7422A47A8E4A}"/>
+      <thm15:themeFamily xmlns:thm15="http://schemas.microsoft.com/office/thememl/2012/main" name="Parcel" id="{8BEC4385-4EB9-4D53-BFB5-0EA123736B6D}" vid="{4DB32801-28C0-48B0-8C1D-A9A58613615A}"/>
     </a:ext>
   </a:extLst>
 </a:theme>
